--- a/FitTrackPresentation.pptx
+++ b/FitTrackPresentation.pptx
@@ -110,6 +110,11 @@
       </a:defRPr>
     </a:lvl9pPr>
   </p:defaultTextStyle>
+  <p:extLst>
+    <p:ext uri="{EFAFB233-063F-42B5-8137-9DF3F51BA10A}">
+      <p15:sldGuideLst xmlns:p15="http://schemas.microsoft.com/office/powerpoint/2012/main"/>
+    </p:ext>
+  </p:extLst>
 </p:presentation>
 </file>
 
@@ -2301,7 +2306,7 @@
             <a:fld id="{A5B0A250-5CC0-1746-B209-08E8B0DAE6AF}" type="datetimeFigureOut">
               <a:rPr lang="en-US" smtClean="0"/>
               <a:pPr algn="l"/>
-              <a:t>8/9/23</a:t>
+              <a:t>8/11/23</a:t>
             </a:fld>
             <a:endParaRPr lang="en-US" dirty="0"/>
           </a:p>
@@ -3763,7 +3768,7 @@
           <a:p>
             <a:fld id="{A5B0A250-5CC0-1746-B209-08E8B0DAE6AF}" type="datetimeFigureOut">
               <a:rPr lang="en-US" smtClean="0"/>
-              <a:t>8/9/23</a:t>
+              <a:t>8/11/23</a:t>
             </a:fld>
             <a:endParaRPr lang="en-US" dirty="0"/>
           </a:p>
@@ -4693,7 +4698,7 @@
           <a:p>
             <a:fld id="{A5B0A250-5CC0-1746-B209-08E8B0DAE6AF}" type="datetimeFigureOut">
               <a:rPr lang="en-US" smtClean="0"/>
-              <a:t>8/9/23</a:t>
+              <a:t>8/11/23</a:t>
             </a:fld>
             <a:endParaRPr lang="en-US"/>
           </a:p>
@@ -6150,7 +6155,7 @@
           <a:p>
             <a:fld id="{A5B0A250-5CC0-1746-B209-08E8B0DAE6AF}" type="datetimeFigureOut">
               <a:rPr lang="en-US" smtClean="0"/>
-              <a:t>8/9/23</a:t>
+              <a:t>8/11/23</a:t>
             </a:fld>
             <a:endParaRPr lang="en-US" dirty="0"/>
           </a:p>
@@ -8506,7 +8511,7 @@
           <a:p>
             <a:fld id="{A5B0A250-5CC0-1746-B209-08E8B0DAE6AF}" type="datetimeFigureOut">
               <a:rPr lang="en-US" smtClean="0"/>
-              <a:t>8/9/23</a:t>
+              <a:t>8/11/23</a:t>
             </a:fld>
             <a:endParaRPr lang="en-US" dirty="0"/>
           </a:p>
@@ -9547,7 +9552,7 @@
           <a:p>
             <a:fld id="{A5B0A250-5CC0-1746-B209-08E8B0DAE6AF}" type="datetimeFigureOut">
               <a:rPr lang="en-US" smtClean="0"/>
-              <a:t>8/9/23</a:t>
+              <a:t>8/11/23</a:t>
             </a:fld>
             <a:endParaRPr lang="en-US" dirty="0"/>
           </a:p>
@@ -10760,7 +10765,7 @@
           <a:p>
             <a:fld id="{A5B0A250-5CC0-1746-B209-08E8B0DAE6AF}" type="datetimeFigureOut">
               <a:rPr lang="en-US" smtClean="0"/>
-              <a:t>8/9/23</a:t>
+              <a:t>8/11/23</a:t>
             </a:fld>
             <a:endParaRPr lang="en-US" dirty="0"/>
           </a:p>
@@ -11669,7 +11674,7 @@
           <a:p>
             <a:fld id="{A5B0A250-5CC0-1746-B209-08E8B0DAE6AF}" type="datetimeFigureOut">
               <a:rPr lang="en-US" smtClean="0"/>
-              <a:t>8/9/23</a:t>
+              <a:t>8/11/23</a:t>
             </a:fld>
             <a:endParaRPr lang="en-US" dirty="0"/>
           </a:p>
@@ -11828,7 +11833,7 @@
             <a:fld id="{A5B0A250-5CC0-1746-B209-08E8B0DAE6AF}" type="datetimeFigureOut">
               <a:rPr lang="en-US" smtClean="0"/>
               <a:pPr/>
-              <a:t>8/9/23</a:t>
+              <a:t>8/11/23</a:t>
             </a:fld>
             <a:endParaRPr lang="en-US" dirty="0"/>
           </a:p>
@@ -12811,7 +12816,7 @@
           <a:p>
             <a:fld id="{A5B0A250-5CC0-1746-B209-08E8B0DAE6AF}" type="datetimeFigureOut">
               <a:rPr lang="en-US" smtClean="0"/>
-              <a:t>8/9/23</a:t>
+              <a:t>8/11/23</a:t>
             </a:fld>
             <a:endParaRPr lang="en-US" dirty="0"/>
           </a:p>
@@ -13873,7 +13878,7 @@
           <a:p>
             <a:fld id="{A5B0A250-5CC0-1746-B209-08E8B0DAE6AF}" type="datetimeFigureOut">
               <a:rPr lang="en-US" smtClean="0"/>
-              <a:t>8/9/23</a:t>
+              <a:t>8/11/23</a:t>
             </a:fld>
             <a:endParaRPr lang="en-US" dirty="0"/>
           </a:p>
@@ -14161,7 +14166,7 @@
             <a:fld id="{A5B0A250-5CC0-1746-B209-08E8B0DAE6AF}" type="datetimeFigureOut">
               <a:rPr lang="en-US" smtClean="0"/>
               <a:pPr/>
-              <a:t>8/9/23</a:t>
+              <a:t>8/11/23</a:t>
             </a:fld>
             <a:endParaRPr lang="en-US" dirty="0"/>
           </a:p>
@@ -17818,13 +17823,92 @@
         </p:nvSpPr>
         <p:spPr/>
         <p:txBody>
-          <a:bodyPr/>
+          <a:bodyPr>
+            <a:normAutofit fontScale="92500" lnSpcReduction="10000"/>
+          </a:bodyPr>
           <a:lstStyle/>
           <a:p>
-            <a:endParaRPr lang="en-US"/>
+            <a:r>
+              <a:rPr lang="en-US" dirty="0"/>
+              <a:t>This feature plays the most essential role for CRUD operations in our application. The Form is responsible to prompt the user daily to enter his nutritional as well his training details.</a:t>
+            </a:r>
+          </a:p>
+          <a:p>
+            <a:r>
+              <a:rPr lang="en-US" dirty="0"/>
+              <a:t>Makes use of state management to store Nutritional Values for Breakfast, Lunch, Dinner to be stored in state till the “Calculate Total Calories” button is clicked. </a:t>
+            </a:r>
+          </a:p>
+          <a:p>
+            <a:r>
+              <a:rPr lang="en-US" dirty="0"/>
+              <a:t>Future Scope : Add a carousel for Date and a visually pleasing variation of Workout Category menu. </a:t>
+            </a:r>
+          </a:p>
+          <a:p>
+            <a:endParaRPr lang="en-US" dirty="0"/>
           </a:p>
         </p:txBody>
       </p:sp>
+      <p:pic>
+        <p:nvPicPr>
+          <p:cNvPr id="5" name="Picture 4" descr="A screenshot of a computer&#10;&#10;Description automatically generated">
+            <a:extLst>
+              <a:ext uri="{FF2B5EF4-FFF2-40B4-BE49-F238E27FC236}">
+                <a16:creationId xmlns:a16="http://schemas.microsoft.com/office/drawing/2014/main" id="{2C714E0B-7ACF-7E49-27EB-7C5AAE29AD04}"/>
+              </a:ext>
+            </a:extLst>
+          </p:cNvPr>
+          <p:cNvPicPr>
+            <a:picLocks noChangeAspect="1"/>
+          </p:cNvPicPr>
+          <p:nvPr/>
+        </p:nvPicPr>
+        <p:blipFill rotWithShape="1">
+          <a:blip r:embed="rId2"/>
+          <a:srcRect l="23173" r="24064" b="-772"/>
+          <a:stretch/>
+        </p:blipFill>
+        <p:spPr>
+          <a:xfrm>
+            <a:off x="7900985" y="0"/>
+            <a:ext cx="3601664" cy="3869354"/>
+          </a:xfrm>
+          <a:prstGeom prst="rect">
+            <a:avLst/>
+          </a:prstGeom>
+        </p:spPr>
+      </p:pic>
+      <p:pic>
+        <p:nvPicPr>
+          <p:cNvPr id="9" name="Picture 8" descr="A screenshot of a computer&#10;&#10;Description automatically generated">
+            <a:extLst>
+              <a:ext uri="{FF2B5EF4-FFF2-40B4-BE49-F238E27FC236}">
+                <a16:creationId xmlns:a16="http://schemas.microsoft.com/office/drawing/2014/main" id="{71875559-3E1D-CC93-2F01-F7F0A963C964}"/>
+              </a:ext>
+            </a:extLst>
+          </p:cNvPr>
+          <p:cNvPicPr>
+            <a:picLocks noChangeAspect="1"/>
+          </p:cNvPicPr>
+          <p:nvPr/>
+        </p:nvPicPr>
+        <p:blipFill>
+          <a:blip r:embed="rId3"/>
+          <a:stretch>
+            <a:fillRect/>
+          </a:stretch>
+        </p:blipFill>
+        <p:spPr>
+          <a:xfrm>
+            <a:off x="7729041" y="3960622"/>
+            <a:ext cx="4318942" cy="2585804"/>
+          </a:xfrm>
+          <a:prstGeom prst="rect">
+            <a:avLst/>
+          </a:prstGeom>
+        </p:spPr>
+      </p:pic>
     </p:spTree>
     <p:extLst>
       <p:ext uri="{BB962C8B-B14F-4D97-AF65-F5344CB8AC3E}">

--- a/FitTrackPresentation.pptx
+++ b/FitTrackPresentation.pptx
@@ -4,6 +4,9 @@
   <p:sldMasterIdLst>
     <p:sldMasterId id="2147483725" r:id="rId1"/>
   </p:sldMasterIdLst>
+  <p:notesMasterIdLst>
+    <p:notesMasterId r:id="rId11"/>
+  </p:notesMasterIdLst>
   <p:sldIdLst>
     <p:sldId id="256" r:id="rId2"/>
     <p:sldId id="262" r:id="rId3"/>
@@ -12,6 +15,8 @@
     <p:sldId id="258" r:id="rId6"/>
     <p:sldId id="259" r:id="rId7"/>
     <p:sldId id="261" r:id="rId8"/>
+    <p:sldId id="263" r:id="rId9"/>
+    <p:sldId id="264" r:id="rId10"/>
   </p:sldIdLst>
   <p:sldSz cx="12192000" cy="6858000"/>
   <p:notesSz cx="6858000" cy="9144000"/>
@@ -116,6 +121,523 @@
     </p:ext>
   </p:extLst>
 </p:presentation>
+</file>
+
+<file path=ppt/notesMasters/notesMaster1.xml><?xml version="1.0" encoding="utf-8"?>
+<p:notesMaster xmlns:a="http://schemas.openxmlformats.org/drawingml/2006/main" xmlns:r="http://schemas.openxmlformats.org/officeDocument/2006/relationships" xmlns:p="http://schemas.openxmlformats.org/presentationml/2006/main">
+  <p:cSld>
+    <p:bg>
+      <p:bgRef idx="1001">
+        <a:schemeClr val="bg1"/>
+      </p:bgRef>
+    </p:bg>
+    <p:spTree>
+      <p:nvGrpSpPr>
+        <p:cNvPr id="1" name=""/>
+        <p:cNvGrpSpPr/>
+        <p:nvPr/>
+      </p:nvGrpSpPr>
+      <p:grpSpPr>
+        <a:xfrm>
+          <a:off x="0" y="0"/>
+          <a:ext cx="0" cy="0"/>
+          <a:chOff x="0" y="0"/>
+          <a:chExt cx="0" cy="0"/>
+        </a:xfrm>
+      </p:grpSpPr>
+      <p:sp>
+        <p:nvSpPr>
+          <p:cNvPr id="2" name="Header Placeholder 1"/>
+          <p:cNvSpPr>
+            <a:spLocks noGrp="1"/>
+          </p:cNvSpPr>
+          <p:nvPr>
+            <p:ph type="hdr" sz="quarter"/>
+          </p:nvPr>
+        </p:nvSpPr>
+        <p:spPr>
+          <a:xfrm>
+            <a:off x="0" y="0"/>
+            <a:ext cx="2971800" cy="458788"/>
+          </a:xfrm>
+          <a:prstGeom prst="rect">
+            <a:avLst/>
+          </a:prstGeom>
+        </p:spPr>
+        <p:txBody>
+          <a:bodyPr vert="horz" lIns="91440" tIns="45720" rIns="91440" bIns="45720" rtlCol="0"/>
+          <a:lstStyle>
+            <a:lvl1pPr algn="l">
+              <a:defRPr sz="1200"/>
+            </a:lvl1pPr>
+          </a:lstStyle>
+          <a:p>
+            <a:endParaRPr lang="en-US"/>
+          </a:p>
+        </p:txBody>
+      </p:sp>
+      <p:sp>
+        <p:nvSpPr>
+          <p:cNvPr id="3" name="Date Placeholder 2"/>
+          <p:cNvSpPr>
+            <a:spLocks noGrp="1"/>
+          </p:cNvSpPr>
+          <p:nvPr>
+            <p:ph type="dt" idx="1"/>
+          </p:nvPr>
+        </p:nvSpPr>
+        <p:spPr>
+          <a:xfrm>
+            <a:off x="3884613" y="0"/>
+            <a:ext cx="2971800" cy="458788"/>
+          </a:xfrm>
+          <a:prstGeom prst="rect">
+            <a:avLst/>
+          </a:prstGeom>
+        </p:spPr>
+        <p:txBody>
+          <a:bodyPr vert="horz" lIns="91440" tIns="45720" rIns="91440" bIns="45720" rtlCol="0"/>
+          <a:lstStyle>
+            <a:lvl1pPr algn="r">
+              <a:defRPr sz="1200"/>
+            </a:lvl1pPr>
+          </a:lstStyle>
+          <a:p>
+            <a:fld id="{E90ADF25-74BE-CA48-95DA-ED087CCA2A2D}" type="datetimeFigureOut">
+              <a:rPr lang="en-US" smtClean="0"/>
+              <a:t>8/11/23</a:t>
+            </a:fld>
+            <a:endParaRPr lang="en-US"/>
+          </a:p>
+        </p:txBody>
+      </p:sp>
+      <p:sp>
+        <p:nvSpPr>
+          <p:cNvPr id="4" name="Slide Image Placeholder 3"/>
+          <p:cNvSpPr>
+            <a:spLocks noGrp="1" noRot="1" noChangeAspect="1"/>
+          </p:cNvSpPr>
+          <p:nvPr>
+            <p:ph type="sldImg" idx="2"/>
+          </p:nvPr>
+        </p:nvSpPr>
+        <p:spPr>
+          <a:xfrm>
+            <a:off x="685800" y="1143000"/>
+            <a:ext cx="5486400" cy="3086100"/>
+          </a:xfrm>
+          <a:prstGeom prst="rect">
+            <a:avLst/>
+          </a:prstGeom>
+          <a:noFill/>
+          <a:ln w="12700">
+            <a:solidFill>
+              <a:prstClr val="black"/>
+            </a:solidFill>
+          </a:ln>
+        </p:spPr>
+        <p:txBody>
+          <a:bodyPr vert="horz" lIns="91440" tIns="45720" rIns="91440" bIns="45720" rtlCol="0" anchor="ctr"/>
+          <a:lstStyle/>
+          <a:p>
+            <a:endParaRPr lang="en-US"/>
+          </a:p>
+        </p:txBody>
+      </p:sp>
+      <p:sp>
+        <p:nvSpPr>
+          <p:cNvPr id="5" name="Notes Placeholder 4"/>
+          <p:cNvSpPr>
+            <a:spLocks noGrp="1"/>
+          </p:cNvSpPr>
+          <p:nvPr>
+            <p:ph type="body" sz="quarter" idx="3"/>
+          </p:nvPr>
+        </p:nvSpPr>
+        <p:spPr>
+          <a:xfrm>
+            <a:off x="685800" y="4400550"/>
+            <a:ext cx="5486400" cy="3600450"/>
+          </a:xfrm>
+          <a:prstGeom prst="rect">
+            <a:avLst/>
+          </a:prstGeom>
+        </p:spPr>
+        <p:txBody>
+          <a:bodyPr vert="horz" lIns="91440" tIns="45720" rIns="91440" bIns="45720" rtlCol="0"/>
+          <a:lstStyle/>
+          <a:p>
+            <a:pPr lvl="0"/>
+            <a:r>
+              <a:rPr lang="en-US"/>
+              <a:t>Click to edit Master text styles</a:t>
+            </a:r>
+          </a:p>
+          <a:p>
+            <a:pPr lvl="1"/>
+            <a:r>
+              <a:rPr lang="en-US"/>
+              <a:t>Second level</a:t>
+            </a:r>
+          </a:p>
+          <a:p>
+            <a:pPr lvl="2"/>
+            <a:r>
+              <a:rPr lang="en-US"/>
+              <a:t>Third level</a:t>
+            </a:r>
+          </a:p>
+          <a:p>
+            <a:pPr lvl="3"/>
+            <a:r>
+              <a:rPr lang="en-US"/>
+              <a:t>Fourth level</a:t>
+            </a:r>
+          </a:p>
+          <a:p>
+            <a:pPr lvl="4"/>
+            <a:r>
+              <a:rPr lang="en-US"/>
+              <a:t>Fifth level</a:t>
+            </a:r>
+          </a:p>
+        </p:txBody>
+      </p:sp>
+      <p:sp>
+        <p:nvSpPr>
+          <p:cNvPr id="6" name="Footer Placeholder 5"/>
+          <p:cNvSpPr>
+            <a:spLocks noGrp="1"/>
+          </p:cNvSpPr>
+          <p:nvPr>
+            <p:ph type="ftr" sz="quarter" idx="4"/>
+          </p:nvPr>
+        </p:nvSpPr>
+        <p:spPr>
+          <a:xfrm>
+            <a:off x="0" y="8685213"/>
+            <a:ext cx="2971800" cy="458787"/>
+          </a:xfrm>
+          <a:prstGeom prst="rect">
+            <a:avLst/>
+          </a:prstGeom>
+        </p:spPr>
+        <p:txBody>
+          <a:bodyPr vert="horz" lIns="91440" tIns="45720" rIns="91440" bIns="45720" rtlCol="0" anchor="b"/>
+          <a:lstStyle>
+            <a:lvl1pPr algn="l">
+              <a:defRPr sz="1200"/>
+            </a:lvl1pPr>
+          </a:lstStyle>
+          <a:p>
+            <a:endParaRPr lang="en-US"/>
+          </a:p>
+        </p:txBody>
+      </p:sp>
+      <p:sp>
+        <p:nvSpPr>
+          <p:cNvPr id="7" name="Slide Number Placeholder 6"/>
+          <p:cNvSpPr>
+            <a:spLocks noGrp="1"/>
+          </p:cNvSpPr>
+          <p:nvPr>
+            <p:ph type="sldNum" sz="quarter" idx="5"/>
+          </p:nvPr>
+        </p:nvSpPr>
+        <p:spPr>
+          <a:xfrm>
+            <a:off x="3884613" y="8685213"/>
+            <a:ext cx="2971800" cy="458787"/>
+          </a:xfrm>
+          <a:prstGeom prst="rect">
+            <a:avLst/>
+          </a:prstGeom>
+        </p:spPr>
+        <p:txBody>
+          <a:bodyPr vert="horz" lIns="91440" tIns="45720" rIns="91440" bIns="45720" rtlCol="0" anchor="b"/>
+          <a:lstStyle>
+            <a:lvl1pPr algn="r">
+              <a:defRPr sz="1200"/>
+            </a:lvl1pPr>
+          </a:lstStyle>
+          <a:p>
+            <a:fld id="{7CC3FEEE-344C-3643-B9E4-5011CB4F49BB}" type="slidenum">
+              <a:rPr lang="en-US" smtClean="0"/>
+              <a:t>‹#›</a:t>
+            </a:fld>
+            <a:endParaRPr lang="en-US"/>
+          </a:p>
+        </p:txBody>
+      </p:sp>
+    </p:spTree>
+    <p:extLst>
+      <p:ext uri="{BB962C8B-B14F-4D97-AF65-F5344CB8AC3E}">
+        <p14:creationId xmlns:p14="http://schemas.microsoft.com/office/powerpoint/2010/main" val="3812893518"/>
+      </p:ext>
+    </p:extLst>
+  </p:cSld>
+  <p:clrMap bg1="lt1" tx1="dk1" bg2="lt2" tx2="dk2" accent1="accent1" accent2="accent2" accent3="accent3" accent4="accent4" accent5="accent5" accent6="accent6" hlink="hlink" folHlink="folHlink"/>
+  <p:notesStyle>
+    <a:lvl1pPr marL="0" algn="l" defTabSz="914400" rtl="0" eaLnBrk="1" latinLnBrk="0" hangingPunct="1">
+      <a:defRPr sz="1200" kern="1200">
+        <a:solidFill>
+          <a:schemeClr val="tx1"/>
+        </a:solidFill>
+        <a:latin typeface="+mn-lt"/>
+        <a:ea typeface="+mn-ea"/>
+        <a:cs typeface="+mn-cs"/>
+      </a:defRPr>
+    </a:lvl1pPr>
+    <a:lvl2pPr marL="457200" algn="l" defTabSz="914400" rtl="0" eaLnBrk="1" latinLnBrk="0" hangingPunct="1">
+      <a:defRPr sz="1200" kern="1200">
+        <a:solidFill>
+          <a:schemeClr val="tx1"/>
+        </a:solidFill>
+        <a:latin typeface="+mn-lt"/>
+        <a:ea typeface="+mn-ea"/>
+        <a:cs typeface="+mn-cs"/>
+      </a:defRPr>
+    </a:lvl2pPr>
+    <a:lvl3pPr marL="914400" algn="l" defTabSz="914400" rtl="0" eaLnBrk="1" latinLnBrk="0" hangingPunct="1">
+      <a:defRPr sz="1200" kern="1200">
+        <a:solidFill>
+          <a:schemeClr val="tx1"/>
+        </a:solidFill>
+        <a:latin typeface="+mn-lt"/>
+        <a:ea typeface="+mn-ea"/>
+        <a:cs typeface="+mn-cs"/>
+      </a:defRPr>
+    </a:lvl3pPr>
+    <a:lvl4pPr marL="1371600" algn="l" defTabSz="914400" rtl="0" eaLnBrk="1" latinLnBrk="0" hangingPunct="1">
+      <a:defRPr sz="1200" kern="1200">
+        <a:solidFill>
+          <a:schemeClr val="tx1"/>
+        </a:solidFill>
+        <a:latin typeface="+mn-lt"/>
+        <a:ea typeface="+mn-ea"/>
+        <a:cs typeface="+mn-cs"/>
+      </a:defRPr>
+    </a:lvl4pPr>
+    <a:lvl5pPr marL="1828800" algn="l" defTabSz="914400" rtl="0" eaLnBrk="1" latinLnBrk="0" hangingPunct="1">
+      <a:defRPr sz="1200" kern="1200">
+        <a:solidFill>
+          <a:schemeClr val="tx1"/>
+        </a:solidFill>
+        <a:latin typeface="+mn-lt"/>
+        <a:ea typeface="+mn-ea"/>
+        <a:cs typeface="+mn-cs"/>
+      </a:defRPr>
+    </a:lvl5pPr>
+    <a:lvl6pPr marL="2286000" algn="l" defTabSz="914400" rtl="0" eaLnBrk="1" latinLnBrk="0" hangingPunct="1">
+      <a:defRPr sz="1200" kern="1200">
+        <a:solidFill>
+          <a:schemeClr val="tx1"/>
+        </a:solidFill>
+        <a:latin typeface="+mn-lt"/>
+        <a:ea typeface="+mn-ea"/>
+        <a:cs typeface="+mn-cs"/>
+      </a:defRPr>
+    </a:lvl6pPr>
+    <a:lvl7pPr marL="2743200" algn="l" defTabSz="914400" rtl="0" eaLnBrk="1" latinLnBrk="0" hangingPunct="1">
+      <a:defRPr sz="1200" kern="1200">
+        <a:solidFill>
+          <a:schemeClr val="tx1"/>
+        </a:solidFill>
+        <a:latin typeface="+mn-lt"/>
+        <a:ea typeface="+mn-ea"/>
+        <a:cs typeface="+mn-cs"/>
+      </a:defRPr>
+    </a:lvl7pPr>
+    <a:lvl8pPr marL="3200400" algn="l" defTabSz="914400" rtl="0" eaLnBrk="1" latinLnBrk="0" hangingPunct="1">
+      <a:defRPr sz="1200" kern="1200">
+        <a:solidFill>
+          <a:schemeClr val="tx1"/>
+        </a:solidFill>
+        <a:latin typeface="+mn-lt"/>
+        <a:ea typeface="+mn-ea"/>
+        <a:cs typeface="+mn-cs"/>
+      </a:defRPr>
+    </a:lvl8pPr>
+    <a:lvl9pPr marL="3657600" algn="l" defTabSz="914400" rtl="0" eaLnBrk="1" latinLnBrk="0" hangingPunct="1">
+      <a:defRPr sz="1200" kern="1200">
+        <a:solidFill>
+          <a:schemeClr val="tx1"/>
+        </a:solidFill>
+        <a:latin typeface="+mn-lt"/>
+        <a:ea typeface="+mn-ea"/>
+        <a:cs typeface="+mn-cs"/>
+      </a:defRPr>
+    </a:lvl9pPr>
+  </p:notesStyle>
+</p:notesMaster>
+</file>
+
+<file path=ppt/notesSlides/notesSlide1.xml><?xml version="1.0" encoding="utf-8"?>
+<p:notes xmlns:a="http://schemas.openxmlformats.org/drawingml/2006/main" xmlns:r="http://schemas.openxmlformats.org/officeDocument/2006/relationships" xmlns:p="http://schemas.openxmlformats.org/presentationml/2006/main">
+  <p:cSld>
+    <p:spTree>
+      <p:nvGrpSpPr>
+        <p:cNvPr id="1" name=""/>
+        <p:cNvGrpSpPr/>
+        <p:nvPr/>
+      </p:nvGrpSpPr>
+      <p:grpSpPr>
+        <a:xfrm>
+          <a:off x="0" y="0"/>
+          <a:ext cx="0" cy="0"/>
+          <a:chOff x="0" y="0"/>
+          <a:chExt cx="0" cy="0"/>
+        </a:xfrm>
+      </p:grpSpPr>
+      <p:sp>
+        <p:nvSpPr>
+          <p:cNvPr id="2" name="Slide Image Placeholder 1"/>
+          <p:cNvSpPr>
+            <a:spLocks noGrp="1" noRot="1" noChangeAspect="1"/>
+          </p:cNvSpPr>
+          <p:nvPr>
+            <p:ph type="sldImg"/>
+          </p:nvPr>
+        </p:nvSpPr>
+        <p:spPr/>
+      </p:sp>
+      <p:sp>
+        <p:nvSpPr>
+          <p:cNvPr id="3" name="Notes Placeholder 2"/>
+          <p:cNvSpPr>
+            <a:spLocks noGrp="1"/>
+          </p:cNvSpPr>
+          <p:nvPr>
+            <p:ph type="body" idx="1"/>
+          </p:nvPr>
+        </p:nvSpPr>
+        <p:spPr/>
+        <p:txBody>
+          <a:bodyPr/>
+          <a:lstStyle/>
+          <a:p>
+            <a:endParaRPr lang="en-US" dirty="0"/>
+          </a:p>
+        </p:txBody>
+      </p:sp>
+      <p:sp>
+        <p:nvSpPr>
+          <p:cNvPr id="4" name="Slide Number Placeholder 3"/>
+          <p:cNvSpPr>
+            <a:spLocks noGrp="1"/>
+          </p:cNvSpPr>
+          <p:nvPr>
+            <p:ph type="sldNum" sz="quarter" idx="5"/>
+          </p:nvPr>
+        </p:nvSpPr>
+        <p:spPr/>
+        <p:txBody>
+          <a:bodyPr/>
+          <a:lstStyle/>
+          <a:p>
+            <a:fld id="{7CC3FEEE-344C-3643-B9E4-5011CB4F49BB}" type="slidenum">
+              <a:rPr lang="en-US" smtClean="0"/>
+              <a:t>8</a:t>
+            </a:fld>
+            <a:endParaRPr lang="en-US"/>
+          </a:p>
+        </p:txBody>
+      </p:sp>
+    </p:spTree>
+    <p:extLst>
+      <p:ext uri="{BB962C8B-B14F-4D97-AF65-F5344CB8AC3E}">
+        <p14:creationId xmlns:p14="http://schemas.microsoft.com/office/powerpoint/2010/main" val="3664496003"/>
+      </p:ext>
+    </p:extLst>
+  </p:cSld>
+  <p:clrMapOvr>
+    <a:masterClrMapping/>
+  </p:clrMapOvr>
+</p:notes>
+</file>
+
+<file path=ppt/notesSlides/notesSlide2.xml><?xml version="1.0" encoding="utf-8"?>
+<p:notes xmlns:a="http://schemas.openxmlformats.org/drawingml/2006/main" xmlns:r="http://schemas.openxmlformats.org/officeDocument/2006/relationships" xmlns:p="http://schemas.openxmlformats.org/presentationml/2006/main">
+  <p:cSld>
+    <p:spTree>
+      <p:nvGrpSpPr>
+        <p:cNvPr id="1" name=""/>
+        <p:cNvGrpSpPr/>
+        <p:nvPr/>
+      </p:nvGrpSpPr>
+      <p:grpSpPr>
+        <a:xfrm>
+          <a:off x="0" y="0"/>
+          <a:ext cx="0" cy="0"/>
+          <a:chOff x="0" y="0"/>
+          <a:chExt cx="0" cy="0"/>
+        </a:xfrm>
+      </p:grpSpPr>
+      <p:sp>
+        <p:nvSpPr>
+          <p:cNvPr id="2" name="Slide Image Placeholder 1"/>
+          <p:cNvSpPr>
+            <a:spLocks noGrp="1" noRot="1" noChangeAspect="1"/>
+          </p:cNvSpPr>
+          <p:nvPr>
+            <p:ph type="sldImg"/>
+          </p:nvPr>
+        </p:nvSpPr>
+        <p:spPr/>
+      </p:sp>
+      <p:sp>
+        <p:nvSpPr>
+          <p:cNvPr id="3" name="Notes Placeholder 2"/>
+          <p:cNvSpPr>
+            <a:spLocks noGrp="1"/>
+          </p:cNvSpPr>
+          <p:nvPr>
+            <p:ph type="body" idx="1"/>
+          </p:nvPr>
+        </p:nvSpPr>
+        <p:spPr/>
+        <p:txBody>
+          <a:bodyPr/>
+          <a:lstStyle/>
+          <a:p>
+            <a:endParaRPr lang="en-US" dirty="0"/>
+          </a:p>
+        </p:txBody>
+      </p:sp>
+      <p:sp>
+        <p:nvSpPr>
+          <p:cNvPr id="4" name="Slide Number Placeholder 3"/>
+          <p:cNvSpPr>
+            <a:spLocks noGrp="1"/>
+          </p:cNvSpPr>
+          <p:nvPr>
+            <p:ph type="sldNum" sz="quarter" idx="5"/>
+          </p:nvPr>
+        </p:nvSpPr>
+        <p:spPr/>
+        <p:txBody>
+          <a:bodyPr/>
+          <a:lstStyle/>
+          <a:p>
+            <a:fld id="{7CC3FEEE-344C-3643-B9E4-5011CB4F49BB}" type="slidenum">
+              <a:rPr lang="en-US" smtClean="0"/>
+              <a:t>9</a:t>
+            </a:fld>
+            <a:endParaRPr lang="en-US"/>
+          </a:p>
+        </p:txBody>
+      </p:sp>
+    </p:spTree>
+    <p:extLst>
+      <p:ext uri="{BB962C8B-B14F-4D97-AF65-F5344CB8AC3E}">
+        <p14:creationId xmlns:p14="http://schemas.microsoft.com/office/powerpoint/2010/main" val="3752806719"/>
+      </p:ext>
+    </p:extLst>
+  </p:cSld>
+  <p:clrMapOvr>
+    <a:masterClrMapping/>
+  </p:clrMapOvr>
+</p:notes>
 </file>
 
 <file path=ppt/slideLayouts/slideLayout1.xml><?xml version="1.0" encoding="utf-8"?>
@@ -17678,6 +18200,14 @@
 <file path=ppt/slides/slide5.xml><?xml version="1.0" encoding="utf-8"?>
 <p:sld xmlns:a="http://schemas.openxmlformats.org/drawingml/2006/main" xmlns:r="http://schemas.openxmlformats.org/officeDocument/2006/relationships" xmlns:p="http://schemas.openxmlformats.org/presentationml/2006/main">
   <p:cSld>
+    <p:bg>
+      <p:bgPr>
+        <a:solidFill>
+          <a:schemeClr val="bg1"/>
+        </a:solidFill>
+        <a:effectLst/>
+      </p:bgPr>
+    </p:bg>
     <p:spTree>
       <p:nvGrpSpPr>
         <p:cNvPr id="1" name=""/>
@@ -17692,6 +18222,66 @@
           <a:chExt cx="0" cy="0"/>
         </a:xfrm>
       </p:grpSpPr>
+      <p:sp useBgFill="1">
+        <p:nvSpPr>
+          <p:cNvPr id="22" name="Rectangle 11">
+            <a:extLst>
+              <a:ext uri="{FF2B5EF4-FFF2-40B4-BE49-F238E27FC236}">
+                <a16:creationId xmlns:a16="http://schemas.microsoft.com/office/drawing/2014/main" id="{C7F2E4D6-EF46-1C43-8F3E-3620C3C83F36}"/>
+              </a:ext>
+              <a:ext uri="{C183D7F6-B498-43B3-948B-1728B52AA6E4}">
+                <adec:decorative xmlns:adec="http://schemas.microsoft.com/office/drawing/2017/decorative" val="1"/>
+              </a:ext>
+            </a:extLst>
+          </p:cNvPr>
+          <p:cNvSpPr>
+            <a:spLocks noGrp="1" noRot="1" noChangeAspect="1" noMove="1" noResize="1" noEditPoints="1" noAdjustHandles="1" noChangeArrowheads="1" noChangeShapeType="1" noTextEdit="1"/>
+          </p:cNvSpPr>
+          <p:nvPr>
+            <p:extLst>
+              <p:ext uri="{386F3935-93C4-4BCD-93E2-E3B085C9AB24}">
+                <p16:designElem xmlns:p16="http://schemas.microsoft.com/office/powerpoint/2015/main" val="1"/>
+              </p:ext>
+            </p:extLst>
+          </p:nvPr>
+        </p:nvSpPr>
+        <p:spPr>
+          <a:xfrm>
+            <a:off x="0" y="0"/>
+            <a:ext cx="12192000" cy="6858000"/>
+          </a:xfrm>
+          <a:prstGeom prst="rect">
+            <a:avLst/>
+          </a:prstGeom>
+          <a:ln>
+            <a:noFill/>
+          </a:ln>
+        </p:spPr>
+        <p:style>
+          <a:lnRef idx="2">
+            <a:schemeClr val="accent1">
+              <a:shade val="50000"/>
+            </a:schemeClr>
+          </a:lnRef>
+          <a:fillRef idx="1">
+            <a:schemeClr val="accent1"/>
+          </a:fillRef>
+          <a:effectRef idx="0">
+            <a:schemeClr val="accent1"/>
+          </a:effectRef>
+          <a:fontRef idx="minor">
+            <a:schemeClr val="lt1"/>
+          </a:fontRef>
+        </p:style>
+        <p:txBody>
+          <a:bodyPr rtlCol="0" anchor="ctr"/>
+          <a:lstStyle/>
+          <a:p>
+            <a:pPr algn="ctr"/>
+            <a:endParaRPr lang="en-US"/>
+          </a:p>
+        </p:txBody>
+      </p:sp>
       <p:sp>
         <p:nvSpPr>
           <p:cNvPr id="2" name="Title 1">
@@ -17708,15 +18298,25 @@
             <p:ph type="title"/>
           </p:nvPr>
         </p:nvSpPr>
-        <p:spPr/>
+        <p:spPr>
+          <a:xfrm>
+            <a:off x="565150" y="770890"/>
+            <a:ext cx="6400999" cy="1268984"/>
+          </a:xfrm>
+        </p:spPr>
         <p:txBody>
           <a:bodyPr>
-            <a:normAutofit fontScale="90000"/>
+            <a:normAutofit/>
           </a:bodyPr>
           <a:lstStyle/>
           <a:p>
+            <a:pPr>
+              <a:lnSpc>
+                <a:spcPct val="90000"/>
+              </a:lnSpc>
+            </a:pPr>
             <a:r>
-              <a:rPr lang="en-US" dirty="0"/>
+              <a:rPr lang="en-US"/>
               <a:t>Meal and workout plan generator</a:t>
             </a:r>
           </a:p>
@@ -17738,15 +18338,706 @@
             <p:ph idx="1"/>
           </p:nvPr>
         </p:nvSpPr>
-        <p:spPr/>
+        <p:spPr>
+          <a:xfrm>
+            <a:off x="565150" y="2160016"/>
+            <a:ext cx="6400999" cy="3601212"/>
+          </a:xfrm>
+        </p:spPr>
         <p:txBody>
-          <a:bodyPr/>
+          <a:bodyPr>
+            <a:normAutofit/>
+          </a:bodyPr>
           <a:lstStyle/>
           <a:p>
-            <a:endParaRPr lang="en-US" dirty="0"/>
+            <a:pPr>
+              <a:lnSpc>
+                <a:spcPct val="90000"/>
+              </a:lnSpc>
+            </a:pPr>
+            <a:r>
+              <a:rPr lang="en-US" sz="1900" b="1" i="0">
+                <a:effectLst/>
+                <a:latin typeface="Söhne"/>
+              </a:rPr>
+              <a:t>Adaptive Programs:</a:t>
+            </a:r>
+            <a:r>
+              <a:rPr lang="en-US" sz="1900" b="0" i="0">
+                <a:effectLst/>
+                <a:latin typeface="Söhne"/>
+              </a:rPr>
+              <a:t> Based on the user's fitness level, goals (e.g., weight loss, muscle gain, endurance training), and any physical limitations or medical conditions, the AI suggests a tailored workout plan.</a:t>
+            </a:r>
+          </a:p>
+          <a:p>
+            <a:pPr>
+              <a:lnSpc>
+                <a:spcPct val="90000"/>
+              </a:lnSpc>
+              <a:buFont typeface="Arial" panose="020B0604020202020204" pitchFamily="34" charset="0"/>
+              <a:buChar char="•"/>
+            </a:pPr>
+            <a:r>
+              <a:rPr lang="en-US" sz="1900" b="1" i="0">
+                <a:effectLst/>
+                <a:latin typeface="Söhne"/>
+              </a:rPr>
+              <a:t>Dietary Preferences &amp; Restrictions:</a:t>
+            </a:r>
+            <a:r>
+              <a:rPr lang="en-US" sz="1900" b="0" i="0">
+                <a:effectLst/>
+                <a:latin typeface="Söhne"/>
+              </a:rPr>
+              <a:t> The AI can generate meal plans based on user preferences, such as vegetarian, vegan, keto, or gluten-free diets, and can consider any allergies or intolerances.</a:t>
+            </a:r>
+          </a:p>
+          <a:p>
+            <a:pPr>
+              <a:lnSpc>
+                <a:spcPct val="90000"/>
+              </a:lnSpc>
+              <a:buFont typeface="Arial" panose="020B0604020202020204" pitchFamily="34" charset="0"/>
+              <a:buChar char="•"/>
+            </a:pPr>
+            <a:r>
+              <a:rPr lang="en-US" sz="1900" b="1" i="0">
+                <a:effectLst/>
+                <a:latin typeface="Söhne"/>
+              </a:rPr>
+              <a:t>Recipe Suggestions:</a:t>
+            </a:r>
+            <a:r>
+              <a:rPr lang="en-US" sz="1900" b="0" i="0">
+                <a:effectLst/>
+                <a:latin typeface="Söhne"/>
+              </a:rPr>
+              <a:t> Based on the ingredients users have on hand and their nutritional needs, the AI can suggest recipes, making meal planning easier.</a:t>
+            </a:r>
+            <a:br>
+              <a:rPr lang="en-US" sz="1900"/>
+            </a:br>
+            <a:endParaRPr lang="en-US" sz="1900"/>
           </a:p>
         </p:txBody>
       </p:sp>
+      <p:grpSp>
+        <p:nvGrpSpPr>
+          <p:cNvPr id="23" name="Group 13">
+            <a:extLst>
+              <a:ext uri="{FF2B5EF4-FFF2-40B4-BE49-F238E27FC236}">
+                <a16:creationId xmlns:a16="http://schemas.microsoft.com/office/drawing/2014/main" id="{2ACBB827-9A2D-D449-9686-F47D2A20EFE1}"/>
+              </a:ext>
+              <a:ext uri="{C183D7F6-B498-43B3-948B-1728B52AA6E4}">
+                <adec:decorative xmlns:adec="http://schemas.microsoft.com/office/drawing/2017/decorative" val="1"/>
+              </a:ext>
+            </a:extLst>
+          </p:cNvPr>
+          <p:cNvGrpSpPr>
+            <a:grpSpLocks noGrp="1" noUngrp="1" noRot="1" noChangeAspect="1" noMove="1" noResize="1"/>
+          </p:cNvGrpSpPr>
+          <p:nvPr>
+            <p:extLst>
+              <p:ext uri="{386F3935-93C4-4BCD-93E2-E3B085C9AB24}">
+                <p16:designElem xmlns:p16="http://schemas.microsoft.com/office/powerpoint/2015/main" val="1"/>
+              </p:ext>
+            </p:extLst>
+          </p:nvPr>
+        </p:nvGrpSpPr>
+        <p:grpSpPr>
+          <a:xfrm>
+            <a:off x="10290315" y="0"/>
+            <a:ext cx="1901686" cy="4677439"/>
+            <a:chOff x="10290315" y="0"/>
+            <a:chExt cx="1901686" cy="4677439"/>
+          </a:xfrm>
+        </p:grpSpPr>
+        <p:sp>
+          <p:nvSpPr>
+            <p:cNvPr id="24" name="Freeform 21">
+              <a:extLst>
+                <a:ext uri="{FF2B5EF4-FFF2-40B4-BE49-F238E27FC236}">
+                  <a16:creationId xmlns:a16="http://schemas.microsoft.com/office/drawing/2014/main" id="{9B921EC8-AD62-E940-80A2-682AC7104E09}"/>
+                </a:ext>
+                <a:ext uri="{C183D7F6-B498-43B3-948B-1728B52AA6E4}">
+                  <adec:decorative xmlns:adec="http://schemas.microsoft.com/office/drawing/2017/decorative" val="1"/>
+                </a:ext>
+              </a:extLst>
+            </p:cNvPr>
+            <p:cNvSpPr/>
+            <p:nvPr>
+              <p:extLst>
+                <p:ext uri="{386F3935-93C4-4BCD-93E2-E3B085C9AB24}">
+                  <p16:designElem xmlns:p16="http://schemas.microsoft.com/office/powerpoint/2015/main" val="1"/>
+                </p:ext>
+              </p:extLst>
+            </p:nvPr>
+          </p:nvSpPr>
+          <p:spPr>
+            <a:xfrm>
+              <a:off x="10290315" y="0"/>
+              <a:ext cx="1130724" cy="565573"/>
+            </a:xfrm>
+            <a:custGeom>
+              <a:avLst/>
+              <a:gdLst>
+                <a:gd name="connsiteX0" fmla="*/ 21 w 1130724"/>
+                <a:gd name="connsiteY0" fmla="*/ 0 h 565573"/>
+                <a:gd name="connsiteX1" fmla="*/ 1130703 w 1130724"/>
+                <a:gd name="connsiteY1" fmla="*/ 0 h 565573"/>
+                <a:gd name="connsiteX2" fmla="*/ 1130724 w 1130724"/>
+                <a:gd name="connsiteY2" fmla="*/ 211 h 565573"/>
+                <a:gd name="connsiteX3" fmla="*/ 565362 w 1130724"/>
+                <a:gd name="connsiteY3" fmla="*/ 565573 h 565573"/>
+                <a:gd name="connsiteX4" fmla="*/ 0 w 1130724"/>
+                <a:gd name="connsiteY4" fmla="*/ 211 h 565573"/>
+              </a:gdLst>
+              <a:ahLst/>
+              <a:cxnLst>
+                <a:cxn ang="0">
+                  <a:pos x="connsiteX0" y="connsiteY0"/>
+                </a:cxn>
+                <a:cxn ang="0">
+                  <a:pos x="connsiteX1" y="connsiteY1"/>
+                </a:cxn>
+                <a:cxn ang="0">
+                  <a:pos x="connsiteX2" y="connsiteY2"/>
+                </a:cxn>
+                <a:cxn ang="0">
+                  <a:pos x="connsiteX3" y="connsiteY3"/>
+                </a:cxn>
+                <a:cxn ang="0">
+                  <a:pos x="connsiteX4" y="connsiteY4"/>
+                </a:cxn>
+              </a:cxnLst>
+              <a:rect l="l" t="t" r="r" b="b"/>
+              <a:pathLst>
+                <a:path w="1130724" h="565573">
+                  <a:moveTo>
+                    <a:pt x="21" y="0"/>
+                  </a:moveTo>
+                  <a:lnTo>
+                    <a:pt x="1130703" y="0"/>
+                  </a:lnTo>
+                  <a:lnTo>
+                    <a:pt x="1130724" y="211"/>
+                  </a:lnTo>
+                  <a:cubicBezTo>
+                    <a:pt x="1130724" y="312452"/>
+                    <a:pt x="877603" y="565573"/>
+                    <a:pt x="565362" y="565573"/>
+                  </a:cubicBezTo>
+                  <a:cubicBezTo>
+                    <a:pt x="253121" y="565573"/>
+                    <a:pt x="0" y="312452"/>
+                    <a:pt x="0" y="211"/>
+                  </a:cubicBezTo>
+                  <a:close/>
+                </a:path>
+              </a:pathLst>
+            </a:custGeom>
+            <a:solidFill>
+              <a:schemeClr val="bg2"/>
+            </a:solidFill>
+            <a:ln>
+              <a:noFill/>
+            </a:ln>
+          </p:spPr>
+          <p:style>
+            <a:lnRef idx="2">
+              <a:schemeClr val="accent1">
+                <a:shade val="50000"/>
+              </a:schemeClr>
+            </a:lnRef>
+            <a:fillRef idx="1">
+              <a:schemeClr val="accent1"/>
+            </a:fillRef>
+            <a:effectRef idx="0">
+              <a:schemeClr val="accent1"/>
+            </a:effectRef>
+            <a:fontRef idx="minor">
+              <a:schemeClr val="lt1"/>
+            </a:fontRef>
+          </p:style>
+          <p:txBody>
+            <a:bodyPr wrap="square" rtlCol="0" anchor="ctr">
+              <a:noAutofit/>
+            </a:bodyPr>
+            <a:lstStyle/>
+            <a:p>
+              <a:pPr algn="ctr"/>
+              <a:endParaRPr lang="en-US"/>
+            </a:p>
+          </p:txBody>
+        </p:sp>
+        <p:sp>
+          <p:nvSpPr>
+            <p:cNvPr id="25" name="Freeform 23">
+              <a:extLst>
+                <a:ext uri="{FF2B5EF4-FFF2-40B4-BE49-F238E27FC236}">
+                  <a16:creationId xmlns:a16="http://schemas.microsoft.com/office/drawing/2014/main" id="{6DBDC735-9A9C-6340-B1E4-3576B27EDDC1}"/>
+                </a:ext>
+                <a:ext uri="{C183D7F6-B498-43B3-948B-1728B52AA6E4}">
+                  <adec:decorative xmlns:adec="http://schemas.microsoft.com/office/drawing/2017/decorative" val="1"/>
+                </a:ext>
+              </a:extLst>
+            </p:cNvPr>
+            <p:cNvSpPr/>
+            <p:nvPr>
+              <p:extLst>
+                <p:ext uri="{386F3935-93C4-4BCD-93E2-E3B085C9AB24}">
+                  <p16:designElem xmlns:p16="http://schemas.microsoft.com/office/powerpoint/2015/main" val="1"/>
+                </p:ext>
+              </p:extLst>
+            </p:nvPr>
+          </p:nvSpPr>
+          <p:spPr>
+            <a:xfrm>
+              <a:off x="11653180" y="3552066"/>
+              <a:ext cx="538821" cy="1125373"/>
+            </a:xfrm>
+            <a:custGeom>
+              <a:avLst/>
+              <a:gdLst>
+                <a:gd name="connsiteX0" fmla="*/ 538821 w 538821"/>
+                <a:gd name="connsiteY0" fmla="*/ 0 h 1125373"/>
+                <a:gd name="connsiteX1" fmla="*/ 538821 w 538821"/>
+                <a:gd name="connsiteY1" fmla="*/ 1125373 h 1125373"/>
+                <a:gd name="connsiteX2" fmla="*/ 451422 w 538821"/>
+                <a:gd name="connsiteY2" fmla="*/ 1116562 h 1125373"/>
+                <a:gd name="connsiteX3" fmla="*/ 0 w 538821"/>
+                <a:gd name="connsiteY3" fmla="*/ 562686 h 1125373"/>
+                <a:gd name="connsiteX4" fmla="*/ 451422 w 538821"/>
+                <a:gd name="connsiteY4" fmla="*/ 8810 h 1125373"/>
+              </a:gdLst>
+              <a:ahLst/>
+              <a:cxnLst>
+                <a:cxn ang="0">
+                  <a:pos x="connsiteX0" y="connsiteY0"/>
+                </a:cxn>
+                <a:cxn ang="0">
+                  <a:pos x="connsiteX1" y="connsiteY1"/>
+                </a:cxn>
+                <a:cxn ang="0">
+                  <a:pos x="connsiteX2" y="connsiteY2"/>
+                </a:cxn>
+                <a:cxn ang="0">
+                  <a:pos x="connsiteX3" y="connsiteY3"/>
+                </a:cxn>
+                <a:cxn ang="0">
+                  <a:pos x="connsiteX4" y="connsiteY4"/>
+                </a:cxn>
+              </a:cxnLst>
+              <a:rect l="l" t="t" r="r" b="b"/>
+              <a:pathLst>
+                <a:path w="538821" h="1125373">
+                  <a:moveTo>
+                    <a:pt x="538821" y="0"/>
+                  </a:moveTo>
+                  <a:lnTo>
+                    <a:pt x="538821" y="1125373"/>
+                  </a:lnTo>
+                  <a:lnTo>
+                    <a:pt x="451422" y="1116562"/>
+                  </a:lnTo>
+                  <a:cubicBezTo>
+                    <a:pt x="193796" y="1063844"/>
+                    <a:pt x="0" y="835897"/>
+                    <a:pt x="0" y="562686"/>
+                  </a:cubicBezTo>
+                  <a:cubicBezTo>
+                    <a:pt x="0" y="289475"/>
+                    <a:pt x="193796" y="61528"/>
+                    <a:pt x="451422" y="8810"/>
+                  </a:cubicBezTo>
+                  <a:close/>
+                </a:path>
+              </a:pathLst>
+            </a:custGeom>
+            <a:solidFill>
+              <a:schemeClr val="bg2"/>
+            </a:solidFill>
+            <a:ln>
+              <a:noFill/>
+            </a:ln>
+          </p:spPr>
+          <p:style>
+            <a:lnRef idx="2">
+              <a:schemeClr val="accent1">
+                <a:shade val="50000"/>
+              </a:schemeClr>
+            </a:lnRef>
+            <a:fillRef idx="1">
+              <a:schemeClr val="accent1"/>
+            </a:fillRef>
+            <a:effectRef idx="0">
+              <a:schemeClr val="accent1"/>
+            </a:effectRef>
+            <a:fontRef idx="minor">
+              <a:schemeClr val="lt1"/>
+            </a:fontRef>
+          </p:style>
+          <p:txBody>
+            <a:bodyPr wrap="square" rtlCol="0" anchor="ctr">
+              <a:noAutofit/>
+            </a:bodyPr>
+            <a:lstStyle/>
+            <a:p>
+              <a:pPr algn="ctr"/>
+              <a:endParaRPr lang="en-US"/>
+            </a:p>
+          </p:txBody>
+        </p:sp>
+        <p:sp>
+          <p:nvSpPr>
+            <p:cNvPr id="26" name="Freeform 25">
+              <a:extLst>
+                <a:ext uri="{FF2B5EF4-FFF2-40B4-BE49-F238E27FC236}">
+                  <a16:creationId xmlns:a16="http://schemas.microsoft.com/office/drawing/2014/main" id="{E3F399C2-198A-1347-8B48-1B1D50805EFB}"/>
+                </a:ext>
+                <a:ext uri="{C183D7F6-B498-43B3-948B-1728B52AA6E4}">
+                  <adec:decorative xmlns:adec="http://schemas.microsoft.com/office/drawing/2017/decorative" val="1"/>
+                </a:ext>
+              </a:extLst>
+            </p:cNvPr>
+            <p:cNvSpPr/>
+            <p:nvPr>
+              <p:extLst>
+                <p:ext uri="{386F3935-93C4-4BCD-93E2-E3B085C9AB24}">
+                  <p16:designElem xmlns:p16="http://schemas.microsoft.com/office/powerpoint/2015/main" val="1"/>
+                </p:ext>
+              </p:extLst>
+            </p:nvPr>
+          </p:nvSpPr>
+          <p:spPr>
+            <a:xfrm>
+              <a:off x="11653180" y="809039"/>
+              <a:ext cx="538821" cy="1125373"/>
+            </a:xfrm>
+            <a:custGeom>
+              <a:avLst/>
+              <a:gdLst>
+                <a:gd name="connsiteX0" fmla="*/ 538821 w 538821"/>
+                <a:gd name="connsiteY0" fmla="*/ 0 h 1125373"/>
+                <a:gd name="connsiteX1" fmla="*/ 538821 w 538821"/>
+                <a:gd name="connsiteY1" fmla="*/ 1125373 h 1125373"/>
+                <a:gd name="connsiteX2" fmla="*/ 451422 w 538821"/>
+                <a:gd name="connsiteY2" fmla="*/ 1116562 h 1125373"/>
+                <a:gd name="connsiteX3" fmla="*/ 0 w 538821"/>
+                <a:gd name="connsiteY3" fmla="*/ 562686 h 1125373"/>
+                <a:gd name="connsiteX4" fmla="*/ 451422 w 538821"/>
+                <a:gd name="connsiteY4" fmla="*/ 8810 h 1125373"/>
+              </a:gdLst>
+              <a:ahLst/>
+              <a:cxnLst>
+                <a:cxn ang="0">
+                  <a:pos x="connsiteX0" y="connsiteY0"/>
+                </a:cxn>
+                <a:cxn ang="0">
+                  <a:pos x="connsiteX1" y="connsiteY1"/>
+                </a:cxn>
+                <a:cxn ang="0">
+                  <a:pos x="connsiteX2" y="connsiteY2"/>
+                </a:cxn>
+                <a:cxn ang="0">
+                  <a:pos x="connsiteX3" y="connsiteY3"/>
+                </a:cxn>
+                <a:cxn ang="0">
+                  <a:pos x="connsiteX4" y="connsiteY4"/>
+                </a:cxn>
+              </a:cxnLst>
+              <a:rect l="l" t="t" r="r" b="b"/>
+              <a:pathLst>
+                <a:path w="538821" h="1125373">
+                  <a:moveTo>
+                    <a:pt x="538821" y="0"/>
+                  </a:moveTo>
+                  <a:lnTo>
+                    <a:pt x="538821" y="1125373"/>
+                  </a:lnTo>
+                  <a:lnTo>
+                    <a:pt x="451422" y="1116562"/>
+                  </a:lnTo>
+                  <a:cubicBezTo>
+                    <a:pt x="193796" y="1063844"/>
+                    <a:pt x="0" y="835897"/>
+                    <a:pt x="0" y="562686"/>
+                  </a:cubicBezTo>
+                  <a:cubicBezTo>
+                    <a:pt x="0" y="289475"/>
+                    <a:pt x="193796" y="61528"/>
+                    <a:pt x="451422" y="8810"/>
+                  </a:cubicBezTo>
+                  <a:close/>
+                </a:path>
+              </a:pathLst>
+            </a:custGeom>
+            <a:solidFill>
+              <a:schemeClr val="accent1"/>
+            </a:solidFill>
+            <a:ln>
+              <a:noFill/>
+            </a:ln>
+          </p:spPr>
+          <p:style>
+            <a:lnRef idx="2">
+              <a:schemeClr val="accent1">
+                <a:shade val="50000"/>
+              </a:schemeClr>
+            </a:lnRef>
+            <a:fillRef idx="1">
+              <a:schemeClr val="accent1"/>
+            </a:fillRef>
+            <a:effectRef idx="0">
+              <a:schemeClr val="accent1"/>
+            </a:effectRef>
+            <a:fontRef idx="minor">
+              <a:schemeClr val="lt1"/>
+            </a:fontRef>
+          </p:style>
+          <p:txBody>
+            <a:bodyPr wrap="square" rtlCol="0" anchor="ctr">
+              <a:noAutofit/>
+            </a:bodyPr>
+            <a:lstStyle/>
+            <a:p>
+              <a:pPr algn="ctr"/>
+              <a:endParaRPr lang="en-US"/>
+            </a:p>
+          </p:txBody>
+        </p:sp>
+        <p:sp>
+          <p:nvSpPr>
+            <p:cNvPr id="27" name="Freeform 26">
+              <a:extLst>
+                <a:ext uri="{FF2B5EF4-FFF2-40B4-BE49-F238E27FC236}">
+                  <a16:creationId xmlns:a16="http://schemas.microsoft.com/office/drawing/2014/main" id="{4AB3593B-CA05-1845-839E-90B9B70ECE96}"/>
+                </a:ext>
+                <a:ext uri="{C183D7F6-B498-43B3-948B-1728B52AA6E4}">
+                  <adec:decorative xmlns:adec="http://schemas.microsoft.com/office/drawing/2017/decorative" val="1"/>
+                </a:ext>
+              </a:extLst>
+            </p:cNvPr>
+            <p:cNvSpPr/>
+            <p:nvPr>
+              <p:extLst>
+                <p:ext uri="{386F3935-93C4-4BCD-93E2-E3B085C9AB24}">
+                  <p16:designElem xmlns:p16="http://schemas.microsoft.com/office/powerpoint/2015/main" val="1"/>
+                </p:ext>
+              </p:extLst>
+            </p:nvPr>
+          </p:nvSpPr>
+          <p:spPr>
+            <a:xfrm>
+              <a:off x="11653180" y="0"/>
+              <a:ext cx="538821" cy="562898"/>
+            </a:xfrm>
+            <a:custGeom>
+              <a:avLst/>
+              <a:gdLst>
+                <a:gd name="connsiteX0" fmla="*/ 21 w 538821"/>
+                <a:gd name="connsiteY0" fmla="*/ 0 h 562898"/>
+                <a:gd name="connsiteX1" fmla="*/ 538821 w 538821"/>
+                <a:gd name="connsiteY1" fmla="*/ 0 h 562898"/>
+                <a:gd name="connsiteX2" fmla="*/ 538821 w 538821"/>
+                <a:gd name="connsiteY2" fmla="*/ 562898 h 562898"/>
+                <a:gd name="connsiteX3" fmla="*/ 451422 w 538821"/>
+                <a:gd name="connsiteY3" fmla="*/ 554087 h 562898"/>
+                <a:gd name="connsiteX4" fmla="*/ 0 w 538821"/>
+                <a:gd name="connsiteY4" fmla="*/ 211 h 562898"/>
+              </a:gdLst>
+              <a:ahLst/>
+              <a:cxnLst>
+                <a:cxn ang="0">
+                  <a:pos x="connsiteX0" y="connsiteY0"/>
+                </a:cxn>
+                <a:cxn ang="0">
+                  <a:pos x="connsiteX1" y="connsiteY1"/>
+                </a:cxn>
+                <a:cxn ang="0">
+                  <a:pos x="connsiteX2" y="connsiteY2"/>
+                </a:cxn>
+                <a:cxn ang="0">
+                  <a:pos x="connsiteX3" y="connsiteY3"/>
+                </a:cxn>
+                <a:cxn ang="0">
+                  <a:pos x="connsiteX4" y="connsiteY4"/>
+                </a:cxn>
+              </a:cxnLst>
+              <a:rect l="l" t="t" r="r" b="b"/>
+              <a:pathLst>
+                <a:path w="538821" h="562898">
+                  <a:moveTo>
+                    <a:pt x="21" y="0"/>
+                  </a:moveTo>
+                  <a:lnTo>
+                    <a:pt x="538821" y="0"/>
+                  </a:lnTo>
+                  <a:lnTo>
+                    <a:pt x="538821" y="562898"/>
+                  </a:lnTo>
+                  <a:lnTo>
+                    <a:pt x="451422" y="554087"/>
+                  </a:lnTo>
+                  <a:cubicBezTo>
+                    <a:pt x="193796" y="501369"/>
+                    <a:pt x="0" y="273422"/>
+                    <a:pt x="0" y="211"/>
+                  </a:cubicBezTo>
+                  <a:close/>
+                </a:path>
+              </a:pathLst>
+            </a:custGeom>
+            <a:solidFill>
+              <a:schemeClr val="bg2"/>
+            </a:solidFill>
+            <a:ln>
+              <a:noFill/>
+            </a:ln>
+          </p:spPr>
+          <p:style>
+            <a:lnRef idx="2">
+              <a:schemeClr val="accent1">
+                <a:shade val="50000"/>
+              </a:schemeClr>
+            </a:lnRef>
+            <a:fillRef idx="1">
+              <a:schemeClr val="accent1"/>
+            </a:fillRef>
+            <a:effectRef idx="0">
+              <a:schemeClr val="accent1"/>
+            </a:effectRef>
+            <a:fontRef idx="minor">
+              <a:schemeClr val="lt1"/>
+            </a:fontRef>
+          </p:style>
+          <p:txBody>
+            <a:bodyPr wrap="square" rtlCol="0" anchor="ctr">
+              <a:noAutofit/>
+            </a:bodyPr>
+            <a:lstStyle/>
+            <a:p>
+              <a:pPr algn="ctr"/>
+              <a:endParaRPr lang="en-US"/>
+            </a:p>
+          </p:txBody>
+        </p:sp>
+      </p:grpSp>
+      <p:pic>
+        <p:nvPicPr>
+          <p:cNvPr id="7" name="Picture 6" descr="A menu of a diet plan&#10;&#10;Description automatically generated">
+            <a:extLst>
+              <a:ext uri="{FF2B5EF4-FFF2-40B4-BE49-F238E27FC236}">
+                <a16:creationId xmlns:a16="http://schemas.microsoft.com/office/drawing/2014/main" id="{95FE11AA-23BE-5FFD-8A01-FDFEE6F7DDD9}"/>
+              </a:ext>
+            </a:extLst>
+          </p:cNvPr>
+          <p:cNvPicPr>
+            <a:picLocks noChangeAspect="1"/>
+          </p:cNvPicPr>
+          <p:nvPr/>
+        </p:nvPicPr>
+        <p:blipFill>
+          <a:blip r:embed="rId2"/>
+          <a:stretch>
+            <a:fillRect/>
+          </a:stretch>
+        </p:blipFill>
+        <p:spPr>
+          <a:xfrm>
+            <a:off x="8434466" y="3361797"/>
+            <a:ext cx="2289216" cy="2631283"/>
+          </a:xfrm>
+          <a:prstGeom prst="rect">
+            <a:avLst/>
+          </a:prstGeom>
+        </p:spPr>
+      </p:pic>
+      <p:cxnSp>
+        <p:nvCxnSpPr>
+          <p:cNvPr id="28" name="Straight Connector 19">
+            <a:extLst>
+              <a:ext uri="{FF2B5EF4-FFF2-40B4-BE49-F238E27FC236}">
+                <a16:creationId xmlns:a16="http://schemas.microsoft.com/office/drawing/2014/main" id="{BF3CF3DF-4809-5B42-9F22-981391379297}"/>
+              </a:ext>
+              <a:ext uri="{C183D7F6-B498-43B3-948B-1728B52AA6E4}">
+                <adec:decorative xmlns:adec="http://schemas.microsoft.com/office/drawing/2017/decorative" val="1"/>
+              </a:ext>
+            </a:extLst>
+          </p:cNvPr>
+          <p:cNvCxnSpPr>
+            <a:cxnSpLocks noGrp="1" noRot="1" noChangeAspect="1" noMove="1" noResize="1" noEditPoints="1" noAdjustHandles="1" noChangeArrowheads="1" noChangeShapeType="1"/>
+          </p:cNvCxnSpPr>
+          <p:nvPr>
+            <p:extLst>
+              <p:ext uri="{386F3935-93C4-4BCD-93E2-E3B085C9AB24}">
+                <p16:designElem xmlns:p16="http://schemas.microsoft.com/office/powerpoint/2015/main" val="1"/>
+              </p:ext>
+            </p:extLst>
+          </p:nvPr>
+        </p:nvCxnSpPr>
+        <p:spPr>
+          <a:xfrm>
+            <a:off x="565150" y="6087110"/>
+            <a:ext cx="6400999" cy="0"/>
+          </a:xfrm>
+          <a:prstGeom prst="line">
+            <a:avLst/>
+          </a:prstGeom>
+          <a:ln w="12700">
+            <a:solidFill>
+              <a:schemeClr val="bg1">
+                <a:lumMod val="65000"/>
+              </a:schemeClr>
+            </a:solidFill>
+          </a:ln>
+        </p:spPr>
+        <p:style>
+          <a:lnRef idx="1">
+            <a:schemeClr val="accent1"/>
+          </a:lnRef>
+          <a:fillRef idx="0">
+            <a:schemeClr val="accent1"/>
+          </a:fillRef>
+          <a:effectRef idx="0">
+            <a:schemeClr val="accent1"/>
+          </a:effectRef>
+          <a:fontRef idx="minor">
+            <a:schemeClr val="tx1"/>
+          </a:fontRef>
+        </p:style>
+      </p:cxnSp>
+      <p:pic>
+        <p:nvPicPr>
+          <p:cNvPr id="5" name="Picture 4" descr="A screenshot of a computer&#10;&#10;Description automatically generated">
+            <a:extLst>
+              <a:ext uri="{FF2B5EF4-FFF2-40B4-BE49-F238E27FC236}">
+                <a16:creationId xmlns:a16="http://schemas.microsoft.com/office/drawing/2014/main" id="{AB3C99CF-31A7-C6A4-0481-CA7A8D7C9276}"/>
+              </a:ext>
+            </a:extLst>
+          </p:cNvPr>
+          <p:cNvPicPr>
+            <a:picLocks noChangeAspect="1"/>
+          </p:cNvPicPr>
+          <p:nvPr/>
+        </p:nvPicPr>
+        <p:blipFill>
+          <a:blip r:embed="rId3"/>
+          <a:stretch>
+            <a:fillRect/>
+          </a:stretch>
+        </p:blipFill>
+        <p:spPr>
+          <a:xfrm>
+            <a:off x="7287262" y="1023617"/>
+            <a:ext cx="4044804" cy="2032514"/>
+          </a:xfrm>
+          <a:prstGeom prst="rect">
+            <a:avLst/>
+          </a:prstGeom>
+        </p:spPr>
+      </p:pic>
     </p:spTree>
     <p:extLst>
       <p:ext uri="{BB962C8B-B14F-4D97-AF65-F5344CB8AC3E}">
@@ -18698,6 +19989,1723 @@
 </p:sld>
 </file>
 
+<file path=ppt/slides/slide8.xml><?xml version="1.0" encoding="utf-8"?>
+<p:sld xmlns:a="http://schemas.openxmlformats.org/drawingml/2006/main" xmlns:r="http://schemas.openxmlformats.org/officeDocument/2006/relationships" xmlns:p="http://schemas.openxmlformats.org/presentationml/2006/main">
+  <p:cSld>
+    <p:bg>
+      <p:bgPr>
+        <a:solidFill>
+          <a:schemeClr val="bg1"/>
+        </a:solidFill>
+        <a:effectLst/>
+      </p:bgPr>
+    </p:bg>
+    <p:spTree>
+      <p:nvGrpSpPr>
+        <p:cNvPr id="1" name=""/>
+        <p:cNvGrpSpPr/>
+        <p:nvPr/>
+      </p:nvGrpSpPr>
+      <p:grpSpPr>
+        <a:xfrm>
+          <a:off x="0" y="0"/>
+          <a:ext cx="0" cy="0"/>
+          <a:chOff x="0" y="0"/>
+          <a:chExt cx="0" cy="0"/>
+        </a:xfrm>
+      </p:grpSpPr>
+      <p:sp useBgFill="1">
+        <p:nvSpPr>
+          <p:cNvPr id="33" name="Rectangle 32">
+            <a:extLst>
+              <a:ext uri="{FF2B5EF4-FFF2-40B4-BE49-F238E27FC236}">
+                <a16:creationId xmlns:a16="http://schemas.microsoft.com/office/drawing/2014/main" id="{C7F2E4D6-EF46-1C43-8F3E-3620C3C83F36}"/>
+              </a:ext>
+              <a:ext uri="{C183D7F6-B498-43B3-948B-1728B52AA6E4}">
+                <adec:decorative xmlns:adec="http://schemas.microsoft.com/office/drawing/2017/decorative" val="1"/>
+              </a:ext>
+            </a:extLst>
+          </p:cNvPr>
+          <p:cNvSpPr>
+            <a:spLocks noGrp="1" noRot="1" noChangeAspect="1" noMove="1" noResize="1" noEditPoints="1" noAdjustHandles="1" noChangeArrowheads="1" noChangeShapeType="1" noTextEdit="1"/>
+          </p:cNvSpPr>
+          <p:nvPr>
+            <p:extLst>
+              <p:ext uri="{386F3935-93C4-4BCD-93E2-E3B085C9AB24}">
+                <p16:designElem xmlns:p16="http://schemas.microsoft.com/office/powerpoint/2015/main" val="1"/>
+              </p:ext>
+            </p:extLst>
+          </p:nvPr>
+        </p:nvSpPr>
+        <p:spPr>
+          <a:xfrm>
+            <a:off x="0" y="0"/>
+            <a:ext cx="12192000" cy="6858000"/>
+          </a:xfrm>
+          <a:prstGeom prst="rect">
+            <a:avLst/>
+          </a:prstGeom>
+          <a:ln>
+            <a:noFill/>
+          </a:ln>
+        </p:spPr>
+        <p:style>
+          <a:lnRef idx="2">
+            <a:schemeClr val="accent1">
+              <a:shade val="50000"/>
+            </a:schemeClr>
+          </a:lnRef>
+          <a:fillRef idx="1">
+            <a:schemeClr val="accent1"/>
+          </a:fillRef>
+          <a:effectRef idx="0">
+            <a:schemeClr val="accent1"/>
+          </a:effectRef>
+          <a:fontRef idx="minor">
+            <a:schemeClr val="lt1"/>
+          </a:fontRef>
+        </p:style>
+        <p:txBody>
+          <a:bodyPr rtlCol="0" anchor="ctr"/>
+          <a:lstStyle/>
+          <a:p>
+            <a:pPr algn="ctr"/>
+            <a:endParaRPr lang="en-US"/>
+          </a:p>
+        </p:txBody>
+      </p:sp>
+      <p:sp>
+        <p:nvSpPr>
+          <p:cNvPr id="2" name="Title 1">
+            <a:extLst>
+              <a:ext uri="{FF2B5EF4-FFF2-40B4-BE49-F238E27FC236}">
+                <a16:creationId xmlns:a16="http://schemas.microsoft.com/office/drawing/2014/main" id="{A6556D41-894E-6D27-E385-4C32E4F2088A}"/>
+              </a:ext>
+            </a:extLst>
+          </p:cNvPr>
+          <p:cNvSpPr>
+            <a:spLocks noGrp="1"/>
+          </p:cNvSpPr>
+          <p:nvPr>
+            <p:ph type="title"/>
+          </p:nvPr>
+        </p:nvSpPr>
+        <p:spPr>
+          <a:xfrm>
+            <a:off x="565151" y="770890"/>
+            <a:ext cx="4133560" cy="1268984"/>
+          </a:xfrm>
+        </p:spPr>
+        <p:txBody>
+          <a:bodyPr>
+            <a:normAutofit/>
+          </a:bodyPr>
+          <a:lstStyle/>
+          <a:p>
+            <a:pPr>
+              <a:lnSpc>
+                <a:spcPct val="90000"/>
+              </a:lnSpc>
+            </a:pPr>
+            <a:r>
+              <a:rPr lang="en-US" sz="3100"/>
+              <a:t>Internationalization</a:t>
+            </a:r>
+          </a:p>
+        </p:txBody>
+      </p:sp>
+      <p:sp>
+        <p:nvSpPr>
+          <p:cNvPr id="3" name="Content Placeholder 2">
+            <a:extLst>
+              <a:ext uri="{FF2B5EF4-FFF2-40B4-BE49-F238E27FC236}">
+                <a16:creationId xmlns:a16="http://schemas.microsoft.com/office/drawing/2014/main" id="{F879E74F-EEC9-58C3-17FA-5A3E59BB2ADD}"/>
+              </a:ext>
+            </a:extLst>
+          </p:cNvPr>
+          <p:cNvSpPr>
+            <a:spLocks noGrp="1"/>
+          </p:cNvSpPr>
+          <p:nvPr>
+            <p:ph idx="1"/>
+          </p:nvPr>
+        </p:nvSpPr>
+        <p:spPr>
+          <a:xfrm>
+            <a:off x="565151" y="2160016"/>
+            <a:ext cx="4133560" cy="3601212"/>
+          </a:xfrm>
+        </p:spPr>
+        <p:txBody>
+          <a:bodyPr>
+            <a:normAutofit/>
+          </a:bodyPr>
+          <a:lstStyle/>
+          <a:p>
+            <a:pPr>
+              <a:lnSpc>
+                <a:spcPct val="90000"/>
+              </a:lnSpc>
+            </a:pPr>
+            <a:r>
+              <a:rPr lang="en-US" b="1" i="0" dirty="0">
+                <a:effectLst/>
+                <a:latin typeface="Söhne"/>
+              </a:rPr>
+              <a:t>Language &amp; Locale Support:</a:t>
+            </a:r>
+            <a:endParaRPr lang="en-US" b="0" i="0" dirty="0">
+              <a:effectLst/>
+              <a:latin typeface="Söhne"/>
+            </a:endParaRPr>
+          </a:p>
+          <a:p>
+            <a:pPr marL="0" indent="0">
+              <a:lnSpc>
+                <a:spcPct val="90000"/>
+              </a:lnSpc>
+              <a:buNone/>
+            </a:pPr>
+            <a:r>
+              <a:rPr lang="en-US" b="0" i="0" dirty="0">
+                <a:effectLst/>
+                <a:latin typeface="Söhne"/>
+              </a:rPr>
+              <a:t>Enable support for multiple languages and regional differences, ensuring that content is accurately translated and culturally appropriate.</a:t>
+            </a:r>
+          </a:p>
+          <a:p>
+            <a:pPr marL="0" indent="0">
+              <a:lnSpc>
+                <a:spcPct val="90000"/>
+              </a:lnSpc>
+              <a:buNone/>
+            </a:pPr>
+            <a:br>
+              <a:rPr lang="en-US" dirty="0"/>
+            </a:br>
+            <a:endParaRPr lang="en-US" dirty="0"/>
+          </a:p>
+        </p:txBody>
+      </p:sp>
+      <p:pic>
+        <p:nvPicPr>
+          <p:cNvPr id="9" name="Picture 8" descr="A screenshot of a website&#10;&#10;Description automatically generated">
+            <a:extLst>
+              <a:ext uri="{FF2B5EF4-FFF2-40B4-BE49-F238E27FC236}">
+                <a16:creationId xmlns:a16="http://schemas.microsoft.com/office/drawing/2014/main" id="{02990F87-FED7-CAD4-8120-961A68474908}"/>
+              </a:ext>
+            </a:extLst>
+          </p:cNvPr>
+          <p:cNvPicPr>
+            <a:picLocks noChangeAspect="1"/>
+          </p:cNvPicPr>
+          <p:nvPr/>
+        </p:nvPicPr>
+        <p:blipFill>
+          <a:blip r:embed="rId3"/>
+          <a:stretch>
+            <a:fillRect/>
+          </a:stretch>
+        </p:blipFill>
+        <p:spPr>
+          <a:xfrm>
+            <a:off x="5355831" y="690295"/>
+            <a:ext cx="6085513" cy="3301391"/>
+          </a:xfrm>
+          <a:prstGeom prst="rect">
+            <a:avLst/>
+          </a:prstGeom>
+        </p:spPr>
+      </p:pic>
+      <p:cxnSp>
+        <p:nvCxnSpPr>
+          <p:cNvPr id="35" name="Straight Connector 34">
+            <a:extLst>
+              <a:ext uri="{FF2B5EF4-FFF2-40B4-BE49-F238E27FC236}">
+                <a16:creationId xmlns:a16="http://schemas.microsoft.com/office/drawing/2014/main" id="{BF3CF3DF-4809-5B42-9F22-981391379297}"/>
+              </a:ext>
+              <a:ext uri="{C183D7F6-B498-43B3-948B-1728B52AA6E4}">
+                <adec:decorative xmlns:adec="http://schemas.microsoft.com/office/drawing/2017/decorative" val="1"/>
+              </a:ext>
+            </a:extLst>
+          </p:cNvPr>
+          <p:cNvCxnSpPr>
+            <a:cxnSpLocks noGrp="1" noRot="1" noChangeAspect="1" noMove="1" noResize="1" noEditPoints="1" noAdjustHandles="1" noChangeArrowheads="1" noChangeShapeType="1"/>
+          </p:cNvCxnSpPr>
+          <p:nvPr>
+            <p:extLst>
+              <p:ext uri="{386F3935-93C4-4BCD-93E2-E3B085C9AB24}">
+                <p16:designElem xmlns:p16="http://schemas.microsoft.com/office/powerpoint/2015/main" val="1"/>
+              </p:ext>
+            </p:extLst>
+          </p:nvPr>
+        </p:nvCxnSpPr>
+        <p:spPr>
+          <a:xfrm>
+            <a:off x="565150" y="6087110"/>
+            <a:ext cx="4133560" cy="0"/>
+          </a:xfrm>
+          <a:prstGeom prst="line">
+            <a:avLst/>
+          </a:prstGeom>
+          <a:ln w="12700">
+            <a:solidFill>
+              <a:schemeClr val="bg1">
+                <a:lumMod val="65000"/>
+              </a:schemeClr>
+            </a:solidFill>
+          </a:ln>
+        </p:spPr>
+        <p:style>
+          <a:lnRef idx="1">
+            <a:schemeClr val="accent1"/>
+          </a:lnRef>
+          <a:fillRef idx="0">
+            <a:schemeClr val="accent1"/>
+          </a:fillRef>
+          <a:effectRef idx="0">
+            <a:schemeClr val="accent1"/>
+          </a:effectRef>
+          <a:fontRef idx="minor">
+            <a:schemeClr val="tx1"/>
+          </a:fontRef>
+        </p:style>
+      </p:cxnSp>
+      <p:pic>
+        <p:nvPicPr>
+          <p:cNvPr id="6" name="Picture 5" descr="A yellow square with black text&#10;&#10;Description automatically generated">
+            <a:extLst>
+              <a:ext uri="{FF2B5EF4-FFF2-40B4-BE49-F238E27FC236}">
+                <a16:creationId xmlns:a16="http://schemas.microsoft.com/office/drawing/2014/main" id="{9FC82DD2-62F5-D416-D24F-322F9B1EE343}"/>
+              </a:ext>
+            </a:extLst>
+          </p:cNvPr>
+          <p:cNvPicPr>
+            <a:picLocks noChangeAspect="1"/>
+          </p:cNvPicPr>
+          <p:nvPr/>
+        </p:nvPicPr>
+        <p:blipFill>
+          <a:blip r:embed="rId4"/>
+          <a:stretch>
+            <a:fillRect/>
+          </a:stretch>
+        </p:blipFill>
+        <p:spPr>
+          <a:xfrm>
+            <a:off x="5263859" y="4320307"/>
+            <a:ext cx="3022539" cy="1750920"/>
+          </a:xfrm>
+          <a:prstGeom prst="rect">
+            <a:avLst/>
+          </a:prstGeom>
+        </p:spPr>
+      </p:pic>
+      <p:pic>
+        <p:nvPicPr>
+          <p:cNvPr id="11" name="Picture 10" descr="A screenshot of a website&#10;&#10;Description automatically generated">
+            <a:extLst>
+              <a:ext uri="{FF2B5EF4-FFF2-40B4-BE49-F238E27FC236}">
+                <a16:creationId xmlns:a16="http://schemas.microsoft.com/office/drawing/2014/main" id="{2AE987DE-A2B6-8944-FC68-75A8AFDD9703}"/>
+              </a:ext>
+            </a:extLst>
+          </p:cNvPr>
+          <p:cNvPicPr>
+            <a:picLocks noChangeAspect="1"/>
+          </p:cNvPicPr>
+          <p:nvPr/>
+        </p:nvPicPr>
+        <p:blipFill>
+          <a:blip r:embed="rId5"/>
+          <a:stretch>
+            <a:fillRect/>
+          </a:stretch>
+        </p:blipFill>
+        <p:spPr>
+          <a:xfrm>
+            <a:off x="8514872" y="4275142"/>
+            <a:ext cx="3018443" cy="1841250"/>
+          </a:xfrm>
+          <a:prstGeom prst="rect">
+            <a:avLst/>
+          </a:prstGeom>
+        </p:spPr>
+      </p:pic>
+      <p:grpSp>
+        <p:nvGrpSpPr>
+          <p:cNvPr id="37" name="Group 36">
+            <a:extLst>
+              <a:ext uri="{FF2B5EF4-FFF2-40B4-BE49-F238E27FC236}">
+                <a16:creationId xmlns:a16="http://schemas.microsoft.com/office/drawing/2014/main" id="{0D40C408-1C95-CC45-87A7-61CE8B1F9362}"/>
+              </a:ext>
+              <a:ext uri="{C183D7F6-B498-43B3-948B-1728B52AA6E4}">
+                <adec:decorative xmlns:adec="http://schemas.microsoft.com/office/drawing/2017/decorative" val="1"/>
+              </a:ext>
+            </a:extLst>
+          </p:cNvPr>
+          <p:cNvGrpSpPr>
+            <a:grpSpLocks noGrp="1" noUngrp="1" noRot="1" noChangeAspect="1" noMove="1" noResize="1"/>
+          </p:cNvGrpSpPr>
+          <p:nvPr>
+            <p:extLst>
+              <p:ext uri="{386F3935-93C4-4BCD-93E2-E3B085C9AB24}">
+                <p16:designElem xmlns:p16="http://schemas.microsoft.com/office/powerpoint/2015/main" val="1"/>
+              </p:ext>
+            </p:extLst>
+          </p:nvPr>
+        </p:nvGrpSpPr>
+        <p:grpSpPr>
+          <a:xfrm>
+            <a:off x="10290315" y="0"/>
+            <a:ext cx="1901686" cy="4677439"/>
+            <a:chOff x="10290315" y="0"/>
+            <a:chExt cx="1901686" cy="4677439"/>
+          </a:xfrm>
+        </p:grpSpPr>
+        <p:sp>
+          <p:nvSpPr>
+            <p:cNvPr id="38" name="Freeform 22">
+              <a:extLst>
+                <a:ext uri="{FF2B5EF4-FFF2-40B4-BE49-F238E27FC236}">
+                  <a16:creationId xmlns:a16="http://schemas.microsoft.com/office/drawing/2014/main" id="{064C34AA-742A-4849-8CD3-EBD627656C3C}"/>
+                </a:ext>
+                <a:ext uri="{C183D7F6-B498-43B3-948B-1728B52AA6E4}">
+                  <adec:decorative xmlns:adec="http://schemas.microsoft.com/office/drawing/2017/decorative" val="1"/>
+                </a:ext>
+              </a:extLst>
+            </p:cNvPr>
+            <p:cNvSpPr/>
+            <p:nvPr>
+              <p:extLst>
+                <p:ext uri="{386F3935-93C4-4BCD-93E2-E3B085C9AB24}">
+                  <p16:designElem xmlns:p16="http://schemas.microsoft.com/office/powerpoint/2015/main" val="1"/>
+                </p:ext>
+              </p:extLst>
+            </p:nvPr>
+          </p:nvSpPr>
+          <p:spPr>
+            <a:xfrm>
+              <a:off x="10290315" y="0"/>
+              <a:ext cx="1130724" cy="565573"/>
+            </a:xfrm>
+            <a:custGeom>
+              <a:avLst/>
+              <a:gdLst>
+                <a:gd name="connsiteX0" fmla="*/ 21 w 1130724"/>
+                <a:gd name="connsiteY0" fmla="*/ 0 h 565573"/>
+                <a:gd name="connsiteX1" fmla="*/ 1130703 w 1130724"/>
+                <a:gd name="connsiteY1" fmla="*/ 0 h 565573"/>
+                <a:gd name="connsiteX2" fmla="*/ 1130724 w 1130724"/>
+                <a:gd name="connsiteY2" fmla="*/ 211 h 565573"/>
+                <a:gd name="connsiteX3" fmla="*/ 565362 w 1130724"/>
+                <a:gd name="connsiteY3" fmla="*/ 565573 h 565573"/>
+                <a:gd name="connsiteX4" fmla="*/ 0 w 1130724"/>
+                <a:gd name="connsiteY4" fmla="*/ 211 h 565573"/>
+              </a:gdLst>
+              <a:ahLst/>
+              <a:cxnLst>
+                <a:cxn ang="0">
+                  <a:pos x="connsiteX0" y="connsiteY0"/>
+                </a:cxn>
+                <a:cxn ang="0">
+                  <a:pos x="connsiteX1" y="connsiteY1"/>
+                </a:cxn>
+                <a:cxn ang="0">
+                  <a:pos x="connsiteX2" y="connsiteY2"/>
+                </a:cxn>
+                <a:cxn ang="0">
+                  <a:pos x="connsiteX3" y="connsiteY3"/>
+                </a:cxn>
+                <a:cxn ang="0">
+                  <a:pos x="connsiteX4" y="connsiteY4"/>
+                </a:cxn>
+              </a:cxnLst>
+              <a:rect l="l" t="t" r="r" b="b"/>
+              <a:pathLst>
+                <a:path w="1130724" h="565573">
+                  <a:moveTo>
+                    <a:pt x="21" y="0"/>
+                  </a:moveTo>
+                  <a:lnTo>
+                    <a:pt x="1130703" y="0"/>
+                  </a:lnTo>
+                  <a:lnTo>
+                    <a:pt x="1130724" y="211"/>
+                  </a:lnTo>
+                  <a:cubicBezTo>
+                    <a:pt x="1130724" y="312452"/>
+                    <a:pt x="877603" y="565573"/>
+                    <a:pt x="565362" y="565573"/>
+                  </a:cubicBezTo>
+                  <a:cubicBezTo>
+                    <a:pt x="253121" y="565573"/>
+                    <a:pt x="0" y="312452"/>
+                    <a:pt x="0" y="211"/>
+                  </a:cubicBezTo>
+                  <a:close/>
+                </a:path>
+              </a:pathLst>
+            </a:custGeom>
+            <a:solidFill>
+              <a:schemeClr val="bg2"/>
+            </a:solidFill>
+            <a:ln>
+              <a:noFill/>
+            </a:ln>
+          </p:spPr>
+          <p:style>
+            <a:lnRef idx="2">
+              <a:schemeClr val="accent1">
+                <a:shade val="50000"/>
+              </a:schemeClr>
+            </a:lnRef>
+            <a:fillRef idx="1">
+              <a:schemeClr val="accent1"/>
+            </a:fillRef>
+            <a:effectRef idx="0">
+              <a:schemeClr val="accent1"/>
+            </a:effectRef>
+            <a:fontRef idx="minor">
+              <a:schemeClr val="lt1"/>
+            </a:fontRef>
+          </p:style>
+          <p:txBody>
+            <a:bodyPr wrap="square" rtlCol="0" anchor="ctr">
+              <a:noAutofit/>
+            </a:bodyPr>
+            <a:lstStyle/>
+            <a:p>
+              <a:pPr algn="ctr"/>
+              <a:endParaRPr lang="en-US"/>
+            </a:p>
+          </p:txBody>
+        </p:sp>
+        <p:sp>
+          <p:nvSpPr>
+            <p:cNvPr id="39" name="Freeform 24">
+              <a:extLst>
+                <a:ext uri="{FF2B5EF4-FFF2-40B4-BE49-F238E27FC236}">
+                  <a16:creationId xmlns:a16="http://schemas.microsoft.com/office/drawing/2014/main" id="{EC6ED33D-9A7B-5247-BA45-456AE5F3B432}"/>
+                </a:ext>
+                <a:ext uri="{C183D7F6-B498-43B3-948B-1728B52AA6E4}">
+                  <adec:decorative xmlns:adec="http://schemas.microsoft.com/office/drawing/2017/decorative" val="1"/>
+                </a:ext>
+              </a:extLst>
+            </p:cNvPr>
+            <p:cNvSpPr/>
+            <p:nvPr>
+              <p:extLst>
+                <p:ext uri="{386F3935-93C4-4BCD-93E2-E3B085C9AB24}">
+                  <p16:designElem xmlns:p16="http://schemas.microsoft.com/office/powerpoint/2015/main" val="1"/>
+                </p:ext>
+              </p:extLst>
+            </p:nvPr>
+          </p:nvSpPr>
+          <p:spPr>
+            <a:xfrm>
+              <a:off x="11653180" y="3552066"/>
+              <a:ext cx="538821" cy="1125373"/>
+            </a:xfrm>
+            <a:custGeom>
+              <a:avLst/>
+              <a:gdLst>
+                <a:gd name="connsiteX0" fmla="*/ 538821 w 538821"/>
+                <a:gd name="connsiteY0" fmla="*/ 0 h 1125373"/>
+                <a:gd name="connsiteX1" fmla="*/ 538821 w 538821"/>
+                <a:gd name="connsiteY1" fmla="*/ 1125373 h 1125373"/>
+                <a:gd name="connsiteX2" fmla="*/ 451422 w 538821"/>
+                <a:gd name="connsiteY2" fmla="*/ 1116562 h 1125373"/>
+                <a:gd name="connsiteX3" fmla="*/ 0 w 538821"/>
+                <a:gd name="connsiteY3" fmla="*/ 562686 h 1125373"/>
+                <a:gd name="connsiteX4" fmla="*/ 451422 w 538821"/>
+                <a:gd name="connsiteY4" fmla="*/ 8810 h 1125373"/>
+              </a:gdLst>
+              <a:ahLst/>
+              <a:cxnLst>
+                <a:cxn ang="0">
+                  <a:pos x="connsiteX0" y="connsiteY0"/>
+                </a:cxn>
+                <a:cxn ang="0">
+                  <a:pos x="connsiteX1" y="connsiteY1"/>
+                </a:cxn>
+                <a:cxn ang="0">
+                  <a:pos x="connsiteX2" y="connsiteY2"/>
+                </a:cxn>
+                <a:cxn ang="0">
+                  <a:pos x="connsiteX3" y="connsiteY3"/>
+                </a:cxn>
+                <a:cxn ang="0">
+                  <a:pos x="connsiteX4" y="connsiteY4"/>
+                </a:cxn>
+              </a:cxnLst>
+              <a:rect l="l" t="t" r="r" b="b"/>
+              <a:pathLst>
+                <a:path w="538821" h="1125373">
+                  <a:moveTo>
+                    <a:pt x="538821" y="0"/>
+                  </a:moveTo>
+                  <a:lnTo>
+                    <a:pt x="538821" y="1125373"/>
+                  </a:lnTo>
+                  <a:lnTo>
+                    <a:pt x="451422" y="1116562"/>
+                  </a:lnTo>
+                  <a:cubicBezTo>
+                    <a:pt x="193796" y="1063844"/>
+                    <a:pt x="0" y="835897"/>
+                    <a:pt x="0" y="562686"/>
+                  </a:cubicBezTo>
+                  <a:cubicBezTo>
+                    <a:pt x="0" y="289475"/>
+                    <a:pt x="193796" y="61528"/>
+                    <a:pt x="451422" y="8810"/>
+                  </a:cubicBezTo>
+                  <a:close/>
+                </a:path>
+              </a:pathLst>
+            </a:custGeom>
+            <a:solidFill>
+              <a:schemeClr val="bg2"/>
+            </a:solidFill>
+            <a:ln>
+              <a:noFill/>
+            </a:ln>
+          </p:spPr>
+          <p:style>
+            <a:lnRef idx="2">
+              <a:schemeClr val="accent1">
+                <a:shade val="50000"/>
+              </a:schemeClr>
+            </a:lnRef>
+            <a:fillRef idx="1">
+              <a:schemeClr val="accent1"/>
+            </a:fillRef>
+            <a:effectRef idx="0">
+              <a:schemeClr val="accent1"/>
+            </a:effectRef>
+            <a:fontRef idx="minor">
+              <a:schemeClr val="lt1"/>
+            </a:fontRef>
+          </p:style>
+          <p:txBody>
+            <a:bodyPr wrap="square" rtlCol="0" anchor="ctr">
+              <a:noAutofit/>
+            </a:bodyPr>
+            <a:lstStyle/>
+            <a:p>
+              <a:pPr algn="ctr"/>
+              <a:endParaRPr lang="en-US"/>
+            </a:p>
+          </p:txBody>
+        </p:sp>
+        <p:sp>
+          <p:nvSpPr>
+            <p:cNvPr id="40" name="Freeform 26">
+              <a:extLst>
+                <a:ext uri="{FF2B5EF4-FFF2-40B4-BE49-F238E27FC236}">
+                  <a16:creationId xmlns:a16="http://schemas.microsoft.com/office/drawing/2014/main" id="{143DF02F-6797-8A48-8141-360A16A57556}"/>
+                </a:ext>
+                <a:ext uri="{C183D7F6-B498-43B3-948B-1728B52AA6E4}">
+                  <adec:decorative xmlns:adec="http://schemas.microsoft.com/office/drawing/2017/decorative" val="1"/>
+                </a:ext>
+              </a:extLst>
+            </p:cNvPr>
+            <p:cNvSpPr/>
+            <p:nvPr>
+              <p:extLst>
+                <p:ext uri="{386F3935-93C4-4BCD-93E2-E3B085C9AB24}">
+                  <p16:designElem xmlns:p16="http://schemas.microsoft.com/office/powerpoint/2015/main" val="1"/>
+                </p:ext>
+              </p:extLst>
+            </p:nvPr>
+          </p:nvSpPr>
+          <p:spPr>
+            <a:xfrm>
+              <a:off x="11653180" y="809039"/>
+              <a:ext cx="538821" cy="1125373"/>
+            </a:xfrm>
+            <a:custGeom>
+              <a:avLst/>
+              <a:gdLst>
+                <a:gd name="connsiteX0" fmla="*/ 538821 w 538821"/>
+                <a:gd name="connsiteY0" fmla="*/ 0 h 1125373"/>
+                <a:gd name="connsiteX1" fmla="*/ 538821 w 538821"/>
+                <a:gd name="connsiteY1" fmla="*/ 1125373 h 1125373"/>
+                <a:gd name="connsiteX2" fmla="*/ 451422 w 538821"/>
+                <a:gd name="connsiteY2" fmla="*/ 1116562 h 1125373"/>
+                <a:gd name="connsiteX3" fmla="*/ 0 w 538821"/>
+                <a:gd name="connsiteY3" fmla="*/ 562686 h 1125373"/>
+                <a:gd name="connsiteX4" fmla="*/ 451422 w 538821"/>
+                <a:gd name="connsiteY4" fmla="*/ 8810 h 1125373"/>
+              </a:gdLst>
+              <a:ahLst/>
+              <a:cxnLst>
+                <a:cxn ang="0">
+                  <a:pos x="connsiteX0" y="connsiteY0"/>
+                </a:cxn>
+                <a:cxn ang="0">
+                  <a:pos x="connsiteX1" y="connsiteY1"/>
+                </a:cxn>
+                <a:cxn ang="0">
+                  <a:pos x="connsiteX2" y="connsiteY2"/>
+                </a:cxn>
+                <a:cxn ang="0">
+                  <a:pos x="connsiteX3" y="connsiteY3"/>
+                </a:cxn>
+                <a:cxn ang="0">
+                  <a:pos x="connsiteX4" y="connsiteY4"/>
+                </a:cxn>
+              </a:cxnLst>
+              <a:rect l="l" t="t" r="r" b="b"/>
+              <a:pathLst>
+                <a:path w="538821" h="1125373">
+                  <a:moveTo>
+                    <a:pt x="538821" y="0"/>
+                  </a:moveTo>
+                  <a:lnTo>
+                    <a:pt x="538821" y="1125373"/>
+                  </a:lnTo>
+                  <a:lnTo>
+                    <a:pt x="451422" y="1116562"/>
+                  </a:lnTo>
+                  <a:cubicBezTo>
+                    <a:pt x="193796" y="1063844"/>
+                    <a:pt x="0" y="835897"/>
+                    <a:pt x="0" y="562686"/>
+                  </a:cubicBezTo>
+                  <a:cubicBezTo>
+                    <a:pt x="0" y="289475"/>
+                    <a:pt x="193796" y="61528"/>
+                    <a:pt x="451422" y="8810"/>
+                  </a:cubicBezTo>
+                  <a:close/>
+                </a:path>
+              </a:pathLst>
+            </a:custGeom>
+            <a:solidFill>
+              <a:schemeClr val="accent1"/>
+            </a:solidFill>
+            <a:ln>
+              <a:noFill/>
+            </a:ln>
+          </p:spPr>
+          <p:style>
+            <a:lnRef idx="2">
+              <a:schemeClr val="accent1">
+                <a:shade val="50000"/>
+              </a:schemeClr>
+            </a:lnRef>
+            <a:fillRef idx="1">
+              <a:schemeClr val="accent1"/>
+            </a:fillRef>
+            <a:effectRef idx="0">
+              <a:schemeClr val="accent1"/>
+            </a:effectRef>
+            <a:fontRef idx="minor">
+              <a:schemeClr val="lt1"/>
+            </a:fontRef>
+          </p:style>
+          <p:txBody>
+            <a:bodyPr wrap="square" rtlCol="0" anchor="ctr">
+              <a:noAutofit/>
+            </a:bodyPr>
+            <a:lstStyle/>
+            <a:p>
+              <a:pPr algn="ctr"/>
+              <a:endParaRPr lang="en-US"/>
+            </a:p>
+          </p:txBody>
+        </p:sp>
+        <p:sp>
+          <p:nvSpPr>
+            <p:cNvPr id="41" name="Freeform 27">
+              <a:extLst>
+                <a:ext uri="{FF2B5EF4-FFF2-40B4-BE49-F238E27FC236}">
+                  <a16:creationId xmlns:a16="http://schemas.microsoft.com/office/drawing/2014/main" id="{FDD14875-9EDB-984E-9EDE-3C3A422D9660}"/>
+                </a:ext>
+                <a:ext uri="{C183D7F6-B498-43B3-948B-1728B52AA6E4}">
+                  <adec:decorative xmlns:adec="http://schemas.microsoft.com/office/drawing/2017/decorative" val="1"/>
+                </a:ext>
+              </a:extLst>
+            </p:cNvPr>
+            <p:cNvSpPr/>
+            <p:nvPr>
+              <p:extLst>
+                <p:ext uri="{386F3935-93C4-4BCD-93E2-E3B085C9AB24}">
+                  <p16:designElem xmlns:p16="http://schemas.microsoft.com/office/powerpoint/2015/main" val="1"/>
+                </p:ext>
+              </p:extLst>
+            </p:nvPr>
+          </p:nvSpPr>
+          <p:spPr>
+            <a:xfrm>
+              <a:off x="11653180" y="0"/>
+              <a:ext cx="538821" cy="562898"/>
+            </a:xfrm>
+            <a:custGeom>
+              <a:avLst/>
+              <a:gdLst>
+                <a:gd name="connsiteX0" fmla="*/ 21 w 538821"/>
+                <a:gd name="connsiteY0" fmla="*/ 0 h 562898"/>
+                <a:gd name="connsiteX1" fmla="*/ 538821 w 538821"/>
+                <a:gd name="connsiteY1" fmla="*/ 0 h 562898"/>
+                <a:gd name="connsiteX2" fmla="*/ 538821 w 538821"/>
+                <a:gd name="connsiteY2" fmla="*/ 562898 h 562898"/>
+                <a:gd name="connsiteX3" fmla="*/ 451422 w 538821"/>
+                <a:gd name="connsiteY3" fmla="*/ 554087 h 562898"/>
+                <a:gd name="connsiteX4" fmla="*/ 0 w 538821"/>
+                <a:gd name="connsiteY4" fmla="*/ 211 h 562898"/>
+              </a:gdLst>
+              <a:ahLst/>
+              <a:cxnLst>
+                <a:cxn ang="0">
+                  <a:pos x="connsiteX0" y="connsiteY0"/>
+                </a:cxn>
+                <a:cxn ang="0">
+                  <a:pos x="connsiteX1" y="connsiteY1"/>
+                </a:cxn>
+                <a:cxn ang="0">
+                  <a:pos x="connsiteX2" y="connsiteY2"/>
+                </a:cxn>
+                <a:cxn ang="0">
+                  <a:pos x="connsiteX3" y="connsiteY3"/>
+                </a:cxn>
+                <a:cxn ang="0">
+                  <a:pos x="connsiteX4" y="connsiteY4"/>
+                </a:cxn>
+              </a:cxnLst>
+              <a:rect l="l" t="t" r="r" b="b"/>
+              <a:pathLst>
+                <a:path w="538821" h="562898">
+                  <a:moveTo>
+                    <a:pt x="21" y="0"/>
+                  </a:moveTo>
+                  <a:lnTo>
+                    <a:pt x="538821" y="0"/>
+                  </a:lnTo>
+                  <a:lnTo>
+                    <a:pt x="538821" y="562898"/>
+                  </a:lnTo>
+                  <a:lnTo>
+                    <a:pt x="451422" y="554087"/>
+                  </a:lnTo>
+                  <a:cubicBezTo>
+                    <a:pt x="193796" y="501369"/>
+                    <a:pt x="0" y="273422"/>
+                    <a:pt x="0" y="211"/>
+                  </a:cubicBezTo>
+                  <a:close/>
+                </a:path>
+              </a:pathLst>
+            </a:custGeom>
+            <a:solidFill>
+              <a:schemeClr val="bg2"/>
+            </a:solidFill>
+            <a:ln>
+              <a:noFill/>
+            </a:ln>
+          </p:spPr>
+          <p:style>
+            <a:lnRef idx="2">
+              <a:schemeClr val="accent1">
+                <a:shade val="50000"/>
+              </a:schemeClr>
+            </a:lnRef>
+            <a:fillRef idx="1">
+              <a:schemeClr val="accent1"/>
+            </a:fillRef>
+            <a:effectRef idx="0">
+              <a:schemeClr val="accent1"/>
+            </a:effectRef>
+            <a:fontRef idx="minor">
+              <a:schemeClr val="lt1"/>
+            </a:fontRef>
+          </p:style>
+          <p:txBody>
+            <a:bodyPr wrap="square" rtlCol="0" anchor="ctr">
+              <a:noAutofit/>
+            </a:bodyPr>
+            <a:lstStyle/>
+            <a:p>
+              <a:pPr algn="ctr"/>
+              <a:endParaRPr lang="en-US"/>
+            </a:p>
+          </p:txBody>
+        </p:sp>
+      </p:grpSp>
+    </p:spTree>
+    <p:extLst>
+      <p:ext uri="{BB962C8B-B14F-4D97-AF65-F5344CB8AC3E}">
+        <p14:creationId xmlns:p14="http://schemas.microsoft.com/office/powerpoint/2010/main" val="1870280887"/>
+      </p:ext>
+    </p:extLst>
+  </p:cSld>
+  <p:clrMapOvr>
+    <a:masterClrMapping/>
+  </p:clrMapOvr>
+</p:sld>
+</file>
+
+<file path=ppt/slides/slide9.xml><?xml version="1.0" encoding="utf-8"?>
+<p:sld xmlns:a="http://schemas.openxmlformats.org/drawingml/2006/main" xmlns:r="http://schemas.openxmlformats.org/officeDocument/2006/relationships" xmlns:p="http://schemas.openxmlformats.org/presentationml/2006/main">
+  <p:cSld>
+    <p:bg>
+      <p:bgPr>
+        <a:solidFill>
+          <a:schemeClr val="bg1"/>
+        </a:solidFill>
+        <a:effectLst/>
+      </p:bgPr>
+    </p:bg>
+    <p:spTree>
+      <p:nvGrpSpPr>
+        <p:cNvPr id="1" name=""/>
+        <p:cNvGrpSpPr/>
+        <p:nvPr/>
+      </p:nvGrpSpPr>
+      <p:grpSpPr>
+        <a:xfrm>
+          <a:off x="0" y="0"/>
+          <a:ext cx="0" cy="0"/>
+          <a:chOff x="0" y="0"/>
+          <a:chExt cx="0" cy="0"/>
+        </a:xfrm>
+      </p:grpSpPr>
+      <p:sp useBgFill="1">
+        <p:nvSpPr>
+          <p:cNvPr id="46" name="Rectangle 45">
+            <a:extLst>
+              <a:ext uri="{FF2B5EF4-FFF2-40B4-BE49-F238E27FC236}">
+                <a16:creationId xmlns:a16="http://schemas.microsoft.com/office/drawing/2014/main" id="{C7F2E4D6-EF46-1C43-8F3E-3620C3C83F36}"/>
+              </a:ext>
+              <a:ext uri="{C183D7F6-B498-43B3-948B-1728B52AA6E4}">
+                <adec:decorative xmlns:adec="http://schemas.microsoft.com/office/drawing/2017/decorative" val="1"/>
+              </a:ext>
+            </a:extLst>
+          </p:cNvPr>
+          <p:cNvSpPr>
+            <a:spLocks noGrp="1" noRot="1" noChangeAspect="1" noMove="1" noResize="1" noEditPoints="1" noAdjustHandles="1" noChangeArrowheads="1" noChangeShapeType="1" noTextEdit="1"/>
+          </p:cNvSpPr>
+          <p:nvPr>
+            <p:extLst>
+              <p:ext uri="{386F3935-93C4-4BCD-93E2-E3B085C9AB24}">
+                <p16:designElem xmlns:p16="http://schemas.microsoft.com/office/powerpoint/2015/main" val="1"/>
+              </p:ext>
+            </p:extLst>
+          </p:nvPr>
+        </p:nvSpPr>
+        <p:spPr>
+          <a:xfrm>
+            <a:off x="0" y="0"/>
+            <a:ext cx="12192000" cy="6858000"/>
+          </a:xfrm>
+          <a:prstGeom prst="rect">
+            <a:avLst/>
+          </a:prstGeom>
+          <a:ln>
+            <a:noFill/>
+          </a:ln>
+        </p:spPr>
+        <p:style>
+          <a:lnRef idx="2">
+            <a:schemeClr val="accent1">
+              <a:shade val="50000"/>
+            </a:schemeClr>
+          </a:lnRef>
+          <a:fillRef idx="1">
+            <a:schemeClr val="accent1"/>
+          </a:fillRef>
+          <a:effectRef idx="0">
+            <a:schemeClr val="accent1"/>
+          </a:effectRef>
+          <a:fontRef idx="minor">
+            <a:schemeClr val="lt1"/>
+          </a:fontRef>
+        </p:style>
+        <p:txBody>
+          <a:bodyPr rtlCol="0" anchor="ctr"/>
+          <a:lstStyle/>
+          <a:p>
+            <a:pPr algn="ctr"/>
+            <a:endParaRPr lang="en-US"/>
+          </a:p>
+        </p:txBody>
+      </p:sp>
+      <p:sp>
+        <p:nvSpPr>
+          <p:cNvPr id="2" name="Title 1">
+            <a:extLst>
+              <a:ext uri="{FF2B5EF4-FFF2-40B4-BE49-F238E27FC236}">
+                <a16:creationId xmlns:a16="http://schemas.microsoft.com/office/drawing/2014/main" id="{A6556D41-894E-6D27-E385-4C32E4F2088A}"/>
+              </a:ext>
+            </a:extLst>
+          </p:cNvPr>
+          <p:cNvSpPr>
+            <a:spLocks noGrp="1"/>
+          </p:cNvSpPr>
+          <p:nvPr>
+            <p:ph type="title"/>
+          </p:nvPr>
+        </p:nvSpPr>
+        <p:spPr>
+          <a:xfrm>
+            <a:off x="565150" y="770890"/>
+            <a:ext cx="7668997" cy="1268984"/>
+          </a:xfrm>
+        </p:spPr>
+        <p:txBody>
+          <a:bodyPr>
+            <a:normAutofit/>
+          </a:bodyPr>
+          <a:lstStyle/>
+          <a:p>
+            <a:r>
+              <a:rPr lang="en-US"/>
+              <a:t>PWA</a:t>
+            </a:r>
+          </a:p>
+        </p:txBody>
+      </p:sp>
+      <p:sp>
+        <p:nvSpPr>
+          <p:cNvPr id="3" name="Content Placeholder 2">
+            <a:extLst>
+              <a:ext uri="{FF2B5EF4-FFF2-40B4-BE49-F238E27FC236}">
+                <a16:creationId xmlns:a16="http://schemas.microsoft.com/office/drawing/2014/main" id="{F879E74F-EEC9-58C3-17FA-5A3E59BB2ADD}"/>
+              </a:ext>
+            </a:extLst>
+          </p:cNvPr>
+          <p:cNvSpPr>
+            <a:spLocks noGrp="1"/>
+          </p:cNvSpPr>
+          <p:nvPr>
+            <p:ph idx="1"/>
+          </p:nvPr>
+        </p:nvSpPr>
+        <p:spPr>
+          <a:xfrm>
+            <a:off x="565150" y="2160016"/>
+            <a:ext cx="7668997" cy="3601212"/>
+          </a:xfrm>
+        </p:spPr>
+        <p:txBody>
+          <a:bodyPr>
+            <a:normAutofit/>
+          </a:bodyPr>
+          <a:lstStyle/>
+          <a:p>
+            <a:pPr>
+              <a:lnSpc>
+                <a:spcPct val="90000"/>
+              </a:lnSpc>
+              <a:buFont typeface="+mj-lt"/>
+              <a:buAutoNum type="arabicPeriod"/>
+            </a:pPr>
+            <a:r>
+              <a:rPr lang="en-US" sz="2200" b="1" i="0">
+                <a:effectLst/>
+                <a:latin typeface="Söhne"/>
+              </a:rPr>
+              <a:t>Offline Access:</a:t>
+            </a:r>
+            <a:r>
+              <a:rPr lang="en-US" sz="2200" b="0" i="0">
+                <a:effectLst/>
+                <a:latin typeface="Söhne"/>
+              </a:rPr>
+              <a:t> PWAs can work offline or with low-quality networks, thanks to service workers that cache key resources.</a:t>
+            </a:r>
+          </a:p>
+          <a:p>
+            <a:pPr>
+              <a:lnSpc>
+                <a:spcPct val="90000"/>
+              </a:lnSpc>
+              <a:buFont typeface="+mj-lt"/>
+              <a:buAutoNum type="arabicPeriod"/>
+            </a:pPr>
+            <a:r>
+              <a:rPr lang="en-US" sz="2200" b="1" i="0">
+                <a:effectLst/>
+                <a:latin typeface="Söhne"/>
+              </a:rPr>
+              <a:t>Responsive Design:</a:t>
+            </a:r>
+            <a:r>
+              <a:rPr lang="en-US" sz="2200" b="0" i="0">
+                <a:effectLst/>
+                <a:latin typeface="Söhne"/>
+              </a:rPr>
+              <a:t> They adapt to any device, screen size, or orientation, ensuring a consistent user experience across platforms.</a:t>
+            </a:r>
+          </a:p>
+          <a:p>
+            <a:pPr>
+              <a:lnSpc>
+                <a:spcPct val="90000"/>
+              </a:lnSpc>
+              <a:buFont typeface="+mj-lt"/>
+              <a:buAutoNum type="arabicPeriod"/>
+            </a:pPr>
+            <a:r>
+              <a:rPr lang="en-US" sz="2200" b="1" i="0">
+                <a:effectLst/>
+                <a:latin typeface="Söhne"/>
+              </a:rPr>
+              <a:t>Performance:</a:t>
+            </a:r>
+            <a:r>
+              <a:rPr lang="en-US" sz="2200" b="0" i="0">
+                <a:effectLst/>
+                <a:latin typeface="Söhne"/>
+              </a:rPr>
+              <a:t> PWAs are optimized for speed and reliability, often leading to faster load times and smoother interactions compared to traditional web apps.</a:t>
+            </a:r>
+          </a:p>
+          <a:p>
+            <a:pPr marL="0" indent="0">
+              <a:lnSpc>
+                <a:spcPct val="90000"/>
+              </a:lnSpc>
+              <a:buNone/>
+            </a:pPr>
+            <a:br>
+              <a:rPr lang="en-US" sz="2200"/>
+            </a:br>
+            <a:endParaRPr lang="en-US" sz="2200"/>
+          </a:p>
+        </p:txBody>
+      </p:sp>
+      <p:grpSp>
+        <p:nvGrpSpPr>
+          <p:cNvPr id="48" name="Group 47">
+            <a:extLst>
+              <a:ext uri="{FF2B5EF4-FFF2-40B4-BE49-F238E27FC236}">
+                <a16:creationId xmlns:a16="http://schemas.microsoft.com/office/drawing/2014/main" id="{2ACBB827-9A2D-D449-9686-F47D2A20EFE1}"/>
+              </a:ext>
+              <a:ext uri="{C183D7F6-B498-43B3-948B-1728B52AA6E4}">
+                <adec:decorative xmlns:adec="http://schemas.microsoft.com/office/drawing/2017/decorative" val="1"/>
+              </a:ext>
+            </a:extLst>
+          </p:cNvPr>
+          <p:cNvGrpSpPr>
+            <a:grpSpLocks noGrp="1" noUngrp="1" noRot="1" noChangeAspect="1" noMove="1" noResize="1"/>
+          </p:cNvGrpSpPr>
+          <p:nvPr>
+            <p:extLst>
+              <p:ext uri="{386F3935-93C4-4BCD-93E2-E3B085C9AB24}">
+                <p16:designElem xmlns:p16="http://schemas.microsoft.com/office/powerpoint/2015/main" val="1"/>
+              </p:ext>
+            </p:extLst>
+          </p:nvPr>
+        </p:nvGrpSpPr>
+        <p:grpSpPr>
+          <a:xfrm>
+            <a:off x="10290315" y="0"/>
+            <a:ext cx="1901686" cy="4677439"/>
+            <a:chOff x="10290315" y="0"/>
+            <a:chExt cx="1901686" cy="4677439"/>
+          </a:xfrm>
+        </p:grpSpPr>
+        <p:sp>
+          <p:nvSpPr>
+            <p:cNvPr id="49" name="Freeform 21">
+              <a:extLst>
+                <a:ext uri="{FF2B5EF4-FFF2-40B4-BE49-F238E27FC236}">
+                  <a16:creationId xmlns:a16="http://schemas.microsoft.com/office/drawing/2014/main" id="{9B921EC8-AD62-E940-80A2-682AC7104E09}"/>
+                </a:ext>
+                <a:ext uri="{C183D7F6-B498-43B3-948B-1728B52AA6E4}">
+                  <adec:decorative xmlns:adec="http://schemas.microsoft.com/office/drawing/2017/decorative" val="1"/>
+                </a:ext>
+              </a:extLst>
+            </p:cNvPr>
+            <p:cNvSpPr/>
+            <p:nvPr>
+              <p:extLst>
+                <p:ext uri="{386F3935-93C4-4BCD-93E2-E3B085C9AB24}">
+                  <p16:designElem xmlns:p16="http://schemas.microsoft.com/office/powerpoint/2015/main" val="1"/>
+                </p:ext>
+              </p:extLst>
+            </p:nvPr>
+          </p:nvSpPr>
+          <p:spPr>
+            <a:xfrm>
+              <a:off x="10290315" y="0"/>
+              <a:ext cx="1130724" cy="565573"/>
+            </a:xfrm>
+            <a:custGeom>
+              <a:avLst/>
+              <a:gdLst>
+                <a:gd name="connsiteX0" fmla="*/ 21 w 1130724"/>
+                <a:gd name="connsiteY0" fmla="*/ 0 h 565573"/>
+                <a:gd name="connsiteX1" fmla="*/ 1130703 w 1130724"/>
+                <a:gd name="connsiteY1" fmla="*/ 0 h 565573"/>
+                <a:gd name="connsiteX2" fmla="*/ 1130724 w 1130724"/>
+                <a:gd name="connsiteY2" fmla="*/ 211 h 565573"/>
+                <a:gd name="connsiteX3" fmla="*/ 565362 w 1130724"/>
+                <a:gd name="connsiteY3" fmla="*/ 565573 h 565573"/>
+                <a:gd name="connsiteX4" fmla="*/ 0 w 1130724"/>
+                <a:gd name="connsiteY4" fmla="*/ 211 h 565573"/>
+              </a:gdLst>
+              <a:ahLst/>
+              <a:cxnLst>
+                <a:cxn ang="0">
+                  <a:pos x="connsiteX0" y="connsiteY0"/>
+                </a:cxn>
+                <a:cxn ang="0">
+                  <a:pos x="connsiteX1" y="connsiteY1"/>
+                </a:cxn>
+                <a:cxn ang="0">
+                  <a:pos x="connsiteX2" y="connsiteY2"/>
+                </a:cxn>
+                <a:cxn ang="0">
+                  <a:pos x="connsiteX3" y="connsiteY3"/>
+                </a:cxn>
+                <a:cxn ang="0">
+                  <a:pos x="connsiteX4" y="connsiteY4"/>
+                </a:cxn>
+              </a:cxnLst>
+              <a:rect l="l" t="t" r="r" b="b"/>
+              <a:pathLst>
+                <a:path w="1130724" h="565573">
+                  <a:moveTo>
+                    <a:pt x="21" y="0"/>
+                  </a:moveTo>
+                  <a:lnTo>
+                    <a:pt x="1130703" y="0"/>
+                  </a:lnTo>
+                  <a:lnTo>
+                    <a:pt x="1130724" y="211"/>
+                  </a:lnTo>
+                  <a:cubicBezTo>
+                    <a:pt x="1130724" y="312452"/>
+                    <a:pt x="877603" y="565573"/>
+                    <a:pt x="565362" y="565573"/>
+                  </a:cubicBezTo>
+                  <a:cubicBezTo>
+                    <a:pt x="253121" y="565573"/>
+                    <a:pt x="0" y="312452"/>
+                    <a:pt x="0" y="211"/>
+                  </a:cubicBezTo>
+                  <a:close/>
+                </a:path>
+              </a:pathLst>
+            </a:custGeom>
+            <a:solidFill>
+              <a:schemeClr val="bg2"/>
+            </a:solidFill>
+            <a:ln>
+              <a:noFill/>
+            </a:ln>
+          </p:spPr>
+          <p:style>
+            <a:lnRef idx="2">
+              <a:schemeClr val="accent1">
+                <a:shade val="50000"/>
+              </a:schemeClr>
+            </a:lnRef>
+            <a:fillRef idx="1">
+              <a:schemeClr val="accent1"/>
+            </a:fillRef>
+            <a:effectRef idx="0">
+              <a:schemeClr val="accent1"/>
+            </a:effectRef>
+            <a:fontRef idx="minor">
+              <a:schemeClr val="lt1"/>
+            </a:fontRef>
+          </p:style>
+          <p:txBody>
+            <a:bodyPr wrap="square" rtlCol="0" anchor="ctr">
+              <a:noAutofit/>
+            </a:bodyPr>
+            <a:lstStyle/>
+            <a:p>
+              <a:pPr algn="ctr"/>
+              <a:endParaRPr lang="en-US"/>
+            </a:p>
+          </p:txBody>
+        </p:sp>
+        <p:sp>
+          <p:nvSpPr>
+            <p:cNvPr id="50" name="Freeform 23">
+              <a:extLst>
+                <a:ext uri="{FF2B5EF4-FFF2-40B4-BE49-F238E27FC236}">
+                  <a16:creationId xmlns:a16="http://schemas.microsoft.com/office/drawing/2014/main" id="{6DBDC735-9A9C-6340-B1E4-3576B27EDDC1}"/>
+                </a:ext>
+                <a:ext uri="{C183D7F6-B498-43B3-948B-1728B52AA6E4}">
+                  <adec:decorative xmlns:adec="http://schemas.microsoft.com/office/drawing/2017/decorative" val="1"/>
+                </a:ext>
+              </a:extLst>
+            </p:cNvPr>
+            <p:cNvSpPr/>
+            <p:nvPr>
+              <p:extLst>
+                <p:ext uri="{386F3935-93C4-4BCD-93E2-E3B085C9AB24}">
+                  <p16:designElem xmlns:p16="http://schemas.microsoft.com/office/powerpoint/2015/main" val="1"/>
+                </p:ext>
+              </p:extLst>
+            </p:nvPr>
+          </p:nvSpPr>
+          <p:spPr>
+            <a:xfrm>
+              <a:off x="11653180" y="3552066"/>
+              <a:ext cx="538821" cy="1125373"/>
+            </a:xfrm>
+            <a:custGeom>
+              <a:avLst/>
+              <a:gdLst>
+                <a:gd name="connsiteX0" fmla="*/ 538821 w 538821"/>
+                <a:gd name="connsiteY0" fmla="*/ 0 h 1125373"/>
+                <a:gd name="connsiteX1" fmla="*/ 538821 w 538821"/>
+                <a:gd name="connsiteY1" fmla="*/ 1125373 h 1125373"/>
+                <a:gd name="connsiteX2" fmla="*/ 451422 w 538821"/>
+                <a:gd name="connsiteY2" fmla="*/ 1116562 h 1125373"/>
+                <a:gd name="connsiteX3" fmla="*/ 0 w 538821"/>
+                <a:gd name="connsiteY3" fmla="*/ 562686 h 1125373"/>
+                <a:gd name="connsiteX4" fmla="*/ 451422 w 538821"/>
+                <a:gd name="connsiteY4" fmla="*/ 8810 h 1125373"/>
+              </a:gdLst>
+              <a:ahLst/>
+              <a:cxnLst>
+                <a:cxn ang="0">
+                  <a:pos x="connsiteX0" y="connsiteY0"/>
+                </a:cxn>
+                <a:cxn ang="0">
+                  <a:pos x="connsiteX1" y="connsiteY1"/>
+                </a:cxn>
+                <a:cxn ang="0">
+                  <a:pos x="connsiteX2" y="connsiteY2"/>
+                </a:cxn>
+                <a:cxn ang="0">
+                  <a:pos x="connsiteX3" y="connsiteY3"/>
+                </a:cxn>
+                <a:cxn ang="0">
+                  <a:pos x="connsiteX4" y="connsiteY4"/>
+                </a:cxn>
+              </a:cxnLst>
+              <a:rect l="l" t="t" r="r" b="b"/>
+              <a:pathLst>
+                <a:path w="538821" h="1125373">
+                  <a:moveTo>
+                    <a:pt x="538821" y="0"/>
+                  </a:moveTo>
+                  <a:lnTo>
+                    <a:pt x="538821" y="1125373"/>
+                  </a:lnTo>
+                  <a:lnTo>
+                    <a:pt x="451422" y="1116562"/>
+                  </a:lnTo>
+                  <a:cubicBezTo>
+                    <a:pt x="193796" y="1063844"/>
+                    <a:pt x="0" y="835897"/>
+                    <a:pt x="0" y="562686"/>
+                  </a:cubicBezTo>
+                  <a:cubicBezTo>
+                    <a:pt x="0" y="289475"/>
+                    <a:pt x="193796" y="61528"/>
+                    <a:pt x="451422" y="8810"/>
+                  </a:cubicBezTo>
+                  <a:close/>
+                </a:path>
+              </a:pathLst>
+            </a:custGeom>
+            <a:solidFill>
+              <a:schemeClr val="bg2"/>
+            </a:solidFill>
+            <a:ln>
+              <a:noFill/>
+            </a:ln>
+          </p:spPr>
+          <p:style>
+            <a:lnRef idx="2">
+              <a:schemeClr val="accent1">
+                <a:shade val="50000"/>
+              </a:schemeClr>
+            </a:lnRef>
+            <a:fillRef idx="1">
+              <a:schemeClr val="accent1"/>
+            </a:fillRef>
+            <a:effectRef idx="0">
+              <a:schemeClr val="accent1"/>
+            </a:effectRef>
+            <a:fontRef idx="minor">
+              <a:schemeClr val="lt1"/>
+            </a:fontRef>
+          </p:style>
+          <p:txBody>
+            <a:bodyPr wrap="square" rtlCol="0" anchor="ctr">
+              <a:noAutofit/>
+            </a:bodyPr>
+            <a:lstStyle/>
+            <a:p>
+              <a:pPr algn="ctr"/>
+              <a:endParaRPr lang="en-US"/>
+            </a:p>
+          </p:txBody>
+        </p:sp>
+        <p:sp>
+          <p:nvSpPr>
+            <p:cNvPr id="51" name="Freeform 25">
+              <a:extLst>
+                <a:ext uri="{FF2B5EF4-FFF2-40B4-BE49-F238E27FC236}">
+                  <a16:creationId xmlns:a16="http://schemas.microsoft.com/office/drawing/2014/main" id="{E3F399C2-198A-1347-8B48-1B1D50805EFB}"/>
+                </a:ext>
+                <a:ext uri="{C183D7F6-B498-43B3-948B-1728B52AA6E4}">
+                  <adec:decorative xmlns:adec="http://schemas.microsoft.com/office/drawing/2017/decorative" val="1"/>
+                </a:ext>
+              </a:extLst>
+            </p:cNvPr>
+            <p:cNvSpPr/>
+            <p:nvPr>
+              <p:extLst>
+                <p:ext uri="{386F3935-93C4-4BCD-93E2-E3B085C9AB24}">
+                  <p16:designElem xmlns:p16="http://schemas.microsoft.com/office/powerpoint/2015/main" val="1"/>
+                </p:ext>
+              </p:extLst>
+            </p:nvPr>
+          </p:nvSpPr>
+          <p:spPr>
+            <a:xfrm>
+              <a:off x="11653180" y="809039"/>
+              <a:ext cx="538821" cy="1125373"/>
+            </a:xfrm>
+            <a:custGeom>
+              <a:avLst/>
+              <a:gdLst>
+                <a:gd name="connsiteX0" fmla="*/ 538821 w 538821"/>
+                <a:gd name="connsiteY0" fmla="*/ 0 h 1125373"/>
+                <a:gd name="connsiteX1" fmla="*/ 538821 w 538821"/>
+                <a:gd name="connsiteY1" fmla="*/ 1125373 h 1125373"/>
+                <a:gd name="connsiteX2" fmla="*/ 451422 w 538821"/>
+                <a:gd name="connsiteY2" fmla="*/ 1116562 h 1125373"/>
+                <a:gd name="connsiteX3" fmla="*/ 0 w 538821"/>
+                <a:gd name="connsiteY3" fmla="*/ 562686 h 1125373"/>
+                <a:gd name="connsiteX4" fmla="*/ 451422 w 538821"/>
+                <a:gd name="connsiteY4" fmla="*/ 8810 h 1125373"/>
+              </a:gdLst>
+              <a:ahLst/>
+              <a:cxnLst>
+                <a:cxn ang="0">
+                  <a:pos x="connsiteX0" y="connsiteY0"/>
+                </a:cxn>
+                <a:cxn ang="0">
+                  <a:pos x="connsiteX1" y="connsiteY1"/>
+                </a:cxn>
+                <a:cxn ang="0">
+                  <a:pos x="connsiteX2" y="connsiteY2"/>
+                </a:cxn>
+                <a:cxn ang="0">
+                  <a:pos x="connsiteX3" y="connsiteY3"/>
+                </a:cxn>
+                <a:cxn ang="0">
+                  <a:pos x="connsiteX4" y="connsiteY4"/>
+                </a:cxn>
+              </a:cxnLst>
+              <a:rect l="l" t="t" r="r" b="b"/>
+              <a:pathLst>
+                <a:path w="538821" h="1125373">
+                  <a:moveTo>
+                    <a:pt x="538821" y="0"/>
+                  </a:moveTo>
+                  <a:lnTo>
+                    <a:pt x="538821" y="1125373"/>
+                  </a:lnTo>
+                  <a:lnTo>
+                    <a:pt x="451422" y="1116562"/>
+                  </a:lnTo>
+                  <a:cubicBezTo>
+                    <a:pt x="193796" y="1063844"/>
+                    <a:pt x="0" y="835897"/>
+                    <a:pt x="0" y="562686"/>
+                  </a:cubicBezTo>
+                  <a:cubicBezTo>
+                    <a:pt x="0" y="289475"/>
+                    <a:pt x="193796" y="61528"/>
+                    <a:pt x="451422" y="8810"/>
+                  </a:cubicBezTo>
+                  <a:close/>
+                </a:path>
+              </a:pathLst>
+            </a:custGeom>
+            <a:solidFill>
+              <a:schemeClr val="accent1"/>
+            </a:solidFill>
+            <a:ln>
+              <a:noFill/>
+            </a:ln>
+          </p:spPr>
+          <p:style>
+            <a:lnRef idx="2">
+              <a:schemeClr val="accent1">
+                <a:shade val="50000"/>
+              </a:schemeClr>
+            </a:lnRef>
+            <a:fillRef idx="1">
+              <a:schemeClr val="accent1"/>
+            </a:fillRef>
+            <a:effectRef idx="0">
+              <a:schemeClr val="accent1"/>
+            </a:effectRef>
+            <a:fontRef idx="minor">
+              <a:schemeClr val="lt1"/>
+            </a:fontRef>
+          </p:style>
+          <p:txBody>
+            <a:bodyPr wrap="square" rtlCol="0" anchor="ctr">
+              <a:noAutofit/>
+            </a:bodyPr>
+            <a:lstStyle/>
+            <a:p>
+              <a:pPr algn="ctr"/>
+              <a:endParaRPr lang="en-US"/>
+            </a:p>
+          </p:txBody>
+        </p:sp>
+        <p:sp>
+          <p:nvSpPr>
+            <p:cNvPr id="52" name="Freeform 26">
+              <a:extLst>
+                <a:ext uri="{FF2B5EF4-FFF2-40B4-BE49-F238E27FC236}">
+                  <a16:creationId xmlns:a16="http://schemas.microsoft.com/office/drawing/2014/main" id="{4AB3593B-CA05-1845-839E-90B9B70ECE96}"/>
+                </a:ext>
+                <a:ext uri="{C183D7F6-B498-43B3-948B-1728B52AA6E4}">
+                  <adec:decorative xmlns:adec="http://schemas.microsoft.com/office/drawing/2017/decorative" val="1"/>
+                </a:ext>
+              </a:extLst>
+            </p:cNvPr>
+            <p:cNvSpPr/>
+            <p:nvPr>
+              <p:extLst>
+                <p:ext uri="{386F3935-93C4-4BCD-93E2-E3B085C9AB24}">
+                  <p16:designElem xmlns:p16="http://schemas.microsoft.com/office/powerpoint/2015/main" val="1"/>
+                </p:ext>
+              </p:extLst>
+            </p:nvPr>
+          </p:nvSpPr>
+          <p:spPr>
+            <a:xfrm>
+              <a:off x="11653180" y="0"/>
+              <a:ext cx="538821" cy="562898"/>
+            </a:xfrm>
+            <a:custGeom>
+              <a:avLst/>
+              <a:gdLst>
+                <a:gd name="connsiteX0" fmla="*/ 21 w 538821"/>
+                <a:gd name="connsiteY0" fmla="*/ 0 h 562898"/>
+                <a:gd name="connsiteX1" fmla="*/ 538821 w 538821"/>
+                <a:gd name="connsiteY1" fmla="*/ 0 h 562898"/>
+                <a:gd name="connsiteX2" fmla="*/ 538821 w 538821"/>
+                <a:gd name="connsiteY2" fmla="*/ 562898 h 562898"/>
+                <a:gd name="connsiteX3" fmla="*/ 451422 w 538821"/>
+                <a:gd name="connsiteY3" fmla="*/ 554087 h 562898"/>
+                <a:gd name="connsiteX4" fmla="*/ 0 w 538821"/>
+                <a:gd name="connsiteY4" fmla="*/ 211 h 562898"/>
+              </a:gdLst>
+              <a:ahLst/>
+              <a:cxnLst>
+                <a:cxn ang="0">
+                  <a:pos x="connsiteX0" y="connsiteY0"/>
+                </a:cxn>
+                <a:cxn ang="0">
+                  <a:pos x="connsiteX1" y="connsiteY1"/>
+                </a:cxn>
+                <a:cxn ang="0">
+                  <a:pos x="connsiteX2" y="connsiteY2"/>
+                </a:cxn>
+                <a:cxn ang="0">
+                  <a:pos x="connsiteX3" y="connsiteY3"/>
+                </a:cxn>
+                <a:cxn ang="0">
+                  <a:pos x="connsiteX4" y="connsiteY4"/>
+                </a:cxn>
+              </a:cxnLst>
+              <a:rect l="l" t="t" r="r" b="b"/>
+              <a:pathLst>
+                <a:path w="538821" h="562898">
+                  <a:moveTo>
+                    <a:pt x="21" y="0"/>
+                  </a:moveTo>
+                  <a:lnTo>
+                    <a:pt x="538821" y="0"/>
+                  </a:lnTo>
+                  <a:lnTo>
+                    <a:pt x="538821" y="562898"/>
+                  </a:lnTo>
+                  <a:lnTo>
+                    <a:pt x="451422" y="554087"/>
+                  </a:lnTo>
+                  <a:cubicBezTo>
+                    <a:pt x="193796" y="501369"/>
+                    <a:pt x="0" y="273422"/>
+                    <a:pt x="0" y="211"/>
+                  </a:cubicBezTo>
+                  <a:close/>
+                </a:path>
+              </a:pathLst>
+            </a:custGeom>
+            <a:solidFill>
+              <a:schemeClr val="bg2"/>
+            </a:solidFill>
+            <a:ln>
+              <a:noFill/>
+            </a:ln>
+          </p:spPr>
+          <p:style>
+            <a:lnRef idx="2">
+              <a:schemeClr val="accent1">
+                <a:shade val="50000"/>
+              </a:schemeClr>
+            </a:lnRef>
+            <a:fillRef idx="1">
+              <a:schemeClr val="accent1"/>
+            </a:fillRef>
+            <a:effectRef idx="0">
+              <a:schemeClr val="accent1"/>
+            </a:effectRef>
+            <a:fontRef idx="minor">
+              <a:schemeClr val="lt1"/>
+            </a:fontRef>
+          </p:style>
+          <p:txBody>
+            <a:bodyPr wrap="square" rtlCol="0" anchor="ctr">
+              <a:noAutofit/>
+            </a:bodyPr>
+            <a:lstStyle/>
+            <a:p>
+              <a:pPr algn="ctr"/>
+              <a:endParaRPr lang="en-US"/>
+            </a:p>
+          </p:txBody>
+        </p:sp>
+      </p:grpSp>
+      <p:pic>
+        <p:nvPicPr>
+          <p:cNvPr id="8" name="Picture 7" descr="A computer screen shot of text&#10;&#10;Description automatically generated">
+            <a:extLst>
+              <a:ext uri="{FF2B5EF4-FFF2-40B4-BE49-F238E27FC236}">
+                <a16:creationId xmlns:a16="http://schemas.microsoft.com/office/drawing/2014/main" id="{EC9C75CA-C9A7-BBAF-42A5-CCDF458DB54A}"/>
+              </a:ext>
+            </a:extLst>
+          </p:cNvPr>
+          <p:cNvPicPr>
+            <a:picLocks noChangeAspect="1"/>
+          </p:cNvPicPr>
+          <p:nvPr/>
+        </p:nvPicPr>
+        <p:blipFill>
+          <a:blip r:embed="rId3"/>
+          <a:stretch>
+            <a:fillRect/>
+          </a:stretch>
+        </p:blipFill>
+        <p:spPr>
+          <a:xfrm>
+            <a:off x="8799882" y="1042063"/>
+            <a:ext cx="2738997" cy="1910450"/>
+          </a:xfrm>
+          <a:prstGeom prst="rect">
+            <a:avLst/>
+          </a:prstGeom>
+        </p:spPr>
+      </p:pic>
+      <p:cxnSp>
+        <p:nvCxnSpPr>
+          <p:cNvPr id="54" name="Straight Connector 53">
+            <a:extLst>
+              <a:ext uri="{FF2B5EF4-FFF2-40B4-BE49-F238E27FC236}">
+                <a16:creationId xmlns:a16="http://schemas.microsoft.com/office/drawing/2014/main" id="{BF3CF3DF-4809-5B42-9F22-981391379297}"/>
+              </a:ext>
+              <a:ext uri="{C183D7F6-B498-43B3-948B-1728B52AA6E4}">
+                <adec:decorative xmlns:adec="http://schemas.microsoft.com/office/drawing/2017/decorative" val="1"/>
+              </a:ext>
+            </a:extLst>
+          </p:cNvPr>
+          <p:cNvCxnSpPr>
+            <a:cxnSpLocks noGrp="1" noRot="1" noChangeAspect="1" noMove="1" noResize="1" noEditPoints="1" noAdjustHandles="1" noChangeArrowheads="1" noChangeShapeType="1"/>
+          </p:cNvCxnSpPr>
+          <p:nvPr>
+            <p:extLst>
+              <p:ext uri="{386F3935-93C4-4BCD-93E2-E3B085C9AB24}">
+                <p16:designElem xmlns:p16="http://schemas.microsoft.com/office/powerpoint/2015/main" val="1"/>
+              </p:ext>
+            </p:extLst>
+          </p:nvPr>
+        </p:nvCxnSpPr>
+        <p:spPr>
+          <a:xfrm>
+            <a:off x="565150" y="6087110"/>
+            <a:ext cx="7668997" cy="0"/>
+          </a:xfrm>
+          <a:prstGeom prst="line">
+            <a:avLst/>
+          </a:prstGeom>
+          <a:ln w="12700">
+            <a:solidFill>
+              <a:schemeClr val="bg1">
+                <a:lumMod val="65000"/>
+              </a:schemeClr>
+            </a:solidFill>
+          </a:ln>
+        </p:spPr>
+        <p:style>
+          <a:lnRef idx="1">
+            <a:schemeClr val="accent1"/>
+          </a:lnRef>
+          <a:fillRef idx="0">
+            <a:schemeClr val="accent1"/>
+          </a:fillRef>
+          <a:effectRef idx="0">
+            <a:schemeClr val="accent1"/>
+          </a:effectRef>
+          <a:fontRef idx="minor">
+            <a:schemeClr val="tx1"/>
+          </a:fontRef>
+        </p:style>
+      </p:cxnSp>
+      <p:pic>
+        <p:nvPicPr>
+          <p:cNvPr id="5" name="Picture 4" descr="A screen shot of a computer program&#10;&#10;Description automatically generated">
+            <a:extLst>
+              <a:ext uri="{FF2B5EF4-FFF2-40B4-BE49-F238E27FC236}">
+                <a16:creationId xmlns:a16="http://schemas.microsoft.com/office/drawing/2014/main" id="{8B977A33-97CD-AF41-3EF1-DB7EE00AD5BB}"/>
+              </a:ext>
+            </a:extLst>
+          </p:cNvPr>
+          <p:cNvPicPr>
+            <a:picLocks noChangeAspect="1"/>
+          </p:cNvPicPr>
+          <p:nvPr/>
+        </p:nvPicPr>
+        <p:blipFill>
+          <a:blip r:embed="rId4"/>
+          <a:stretch>
+            <a:fillRect/>
+          </a:stretch>
+        </p:blipFill>
+        <p:spPr>
+          <a:xfrm>
+            <a:off x="9269017" y="3545072"/>
+            <a:ext cx="1801424" cy="2633472"/>
+          </a:xfrm>
+          <a:prstGeom prst="rect">
+            <a:avLst/>
+          </a:prstGeom>
+        </p:spPr>
+      </p:pic>
+    </p:spTree>
+    <p:extLst>
+      <p:ext uri="{BB962C8B-B14F-4D97-AF65-F5344CB8AC3E}">
+        <p14:creationId xmlns:p14="http://schemas.microsoft.com/office/powerpoint/2010/main" val="3731556372"/>
+      </p:ext>
+    </p:extLst>
+  </p:cSld>
+  <p:clrMapOvr>
+    <a:masterClrMapping/>
+  </p:clrMapOvr>
+</p:sld>
+</file>
+
 <file path=ppt/theme/theme1.xml><?xml version="1.0" encoding="utf-8"?>
 <a:theme xmlns:a="http://schemas.openxmlformats.org/drawingml/2006/main" name="PunchcardVTI">
   <a:themeElements>
@@ -18897,4 +21905,299 @@
     </a:ext>
   </a:extLst>
 </a:theme>
+</file>
+
+<file path=ppt/theme/theme2.xml><?xml version="1.0" encoding="utf-8"?>
+<a:theme xmlns:a="http://schemas.openxmlformats.org/drawingml/2006/main" name="Office Theme">
+  <a:themeElements>
+    <a:clrScheme name="Office">
+      <a:dk1>
+        <a:sysClr val="windowText" lastClr="000000"/>
+      </a:dk1>
+      <a:lt1>
+        <a:sysClr val="window" lastClr="FFFFFF"/>
+      </a:lt1>
+      <a:dk2>
+        <a:srgbClr val="44546A"/>
+      </a:dk2>
+      <a:lt2>
+        <a:srgbClr val="E7E6E6"/>
+      </a:lt2>
+      <a:accent1>
+        <a:srgbClr val="4472C4"/>
+      </a:accent1>
+      <a:accent2>
+        <a:srgbClr val="ED7D31"/>
+      </a:accent2>
+      <a:accent3>
+        <a:srgbClr val="A5A5A5"/>
+      </a:accent3>
+      <a:accent4>
+        <a:srgbClr val="FFC000"/>
+      </a:accent4>
+      <a:accent5>
+        <a:srgbClr val="5B9BD5"/>
+      </a:accent5>
+      <a:accent6>
+        <a:srgbClr val="70AD47"/>
+      </a:accent6>
+      <a:hlink>
+        <a:srgbClr val="0563C1"/>
+      </a:hlink>
+      <a:folHlink>
+        <a:srgbClr val="954F72"/>
+      </a:folHlink>
+    </a:clrScheme>
+    <a:fontScheme name="Office">
+      <a:majorFont>
+        <a:latin typeface="Calibri Light" panose="020F0302020204030204"/>
+        <a:ea typeface=""/>
+        <a:cs typeface=""/>
+        <a:font script="Jpan" typeface="游ゴシック Light"/>
+        <a:font script="Hang" typeface="맑은 고딕"/>
+        <a:font script="Hans" typeface="等线 Light"/>
+        <a:font script="Hant" typeface="新細明體"/>
+        <a:font script="Arab" typeface="Times New Roman"/>
+        <a:font script="Hebr" typeface="Times New Roman"/>
+        <a:font script="Thai" typeface="Angsana New"/>
+        <a:font script="Ethi" typeface="Nyala"/>
+        <a:font script="Beng" typeface="Vrinda"/>
+        <a:font script="Gujr" typeface="Shruti"/>
+        <a:font script="Khmr" typeface="MoolBoran"/>
+        <a:font script="Knda" typeface="Tunga"/>
+        <a:font script="Guru" typeface="Raavi"/>
+        <a:font script="Cans" typeface="Euphemia"/>
+        <a:font script="Cher" typeface="Plantagenet Cherokee"/>
+        <a:font script="Yiii" typeface="Microsoft Yi Baiti"/>
+        <a:font script="Tibt" typeface="Microsoft Himalaya"/>
+        <a:font script="Thaa" typeface="MV Boli"/>
+        <a:font script="Deva" typeface="Mangal"/>
+        <a:font script="Telu" typeface="Gautami"/>
+        <a:font script="Taml" typeface="Latha"/>
+        <a:font script="Syrc" typeface="Estrangelo Edessa"/>
+        <a:font script="Orya" typeface="Kalinga"/>
+        <a:font script="Mlym" typeface="Kartika"/>
+        <a:font script="Laoo" typeface="DokChampa"/>
+        <a:font script="Sinh" typeface="Iskoola Pota"/>
+        <a:font script="Mong" typeface="Mongolian Baiti"/>
+        <a:font script="Viet" typeface="Times New Roman"/>
+        <a:font script="Uigh" typeface="Microsoft Uighur"/>
+        <a:font script="Geor" typeface="Sylfaen"/>
+        <a:font script="Armn" typeface="Arial"/>
+        <a:font script="Bugi" typeface="Leelawadee UI"/>
+        <a:font script="Bopo" typeface="Microsoft JhengHei"/>
+        <a:font script="Java" typeface="Javanese Text"/>
+        <a:font script="Lisu" typeface="Segoe UI"/>
+        <a:font script="Mymr" typeface="Myanmar Text"/>
+        <a:font script="Nkoo" typeface="Ebrima"/>
+        <a:font script="Olck" typeface="Nirmala UI"/>
+        <a:font script="Osma" typeface="Ebrima"/>
+        <a:font script="Phag" typeface="Phagspa"/>
+        <a:font script="Syrn" typeface="Estrangelo Edessa"/>
+        <a:font script="Syrj" typeface="Estrangelo Edessa"/>
+        <a:font script="Syre" typeface="Estrangelo Edessa"/>
+        <a:font script="Sora" typeface="Nirmala UI"/>
+        <a:font script="Tale" typeface="Microsoft Tai Le"/>
+        <a:font script="Talu" typeface="Microsoft New Tai Lue"/>
+        <a:font script="Tfng" typeface="Ebrima"/>
+      </a:majorFont>
+      <a:minorFont>
+        <a:latin typeface="Calibri" panose="020F0502020204030204"/>
+        <a:ea typeface=""/>
+        <a:cs typeface=""/>
+        <a:font script="Jpan" typeface="游ゴシック"/>
+        <a:font script="Hang" typeface="맑은 고딕"/>
+        <a:font script="Hans" typeface="等线"/>
+        <a:font script="Hant" typeface="新細明體"/>
+        <a:font script="Arab" typeface="Arial"/>
+        <a:font script="Hebr" typeface="Arial"/>
+        <a:font script="Thai" typeface="Cordia New"/>
+        <a:font script="Ethi" typeface="Nyala"/>
+        <a:font script="Beng" typeface="Vrinda"/>
+        <a:font script="Gujr" typeface="Shruti"/>
+        <a:font script="Khmr" typeface="DaunPenh"/>
+        <a:font script="Knda" typeface="Tunga"/>
+        <a:font script="Guru" typeface="Raavi"/>
+        <a:font script="Cans" typeface="Euphemia"/>
+        <a:font script="Cher" typeface="Plantagenet Cherokee"/>
+        <a:font script="Yiii" typeface="Microsoft Yi Baiti"/>
+        <a:font script="Tibt" typeface="Microsoft Himalaya"/>
+        <a:font script="Thaa" typeface="MV Boli"/>
+        <a:font script="Deva" typeface="Mangal"/>
+        <a:font script="Telu" typeface="Gautami"/>
+        <a:font script="Taml" typeface="Latha"/>
+        <a:font script="Syrc" typeface="Estrangelo Edessa"/>
+        <a:font script="Orya" typeface="Kalinga"/>
+        <a:font script="Mlym" typeface="Kartika"/>
+        <a:font script="Laoo" typeface="DokChampa"/>
+        <a:font script="Sinh" typeface="Iskoola Pota"/>
+        <a:font script="Mong" typeface="Mongolian Baiti"/>
+        <a:font script="Viet" typeface="Arial"/>
+        <a:font script="Uigh" typeface="Microsoft Uighur"/>
+        <a:font script="Geor" typeface="Sylfaen"/>
+        <a:font script="Armn" typeface="Arial"/>
+        <a:font script="Bugi" typeface="Leelawadee UI"/>
+        <a:font script="Bopo" typeface="Microsoft JhengHei"/>
+        <a:font script="Java" typeface="Javanese Text"/>
+        <a:font script="Lisu" typeface="Segoe UI"/>
+        <a:font script="Mymr" typeface="Myanmar Text"/>
+        <a:font script="Nkoo" typeface="Ebrima"/>
+        <a:font script="Olck" typeface="Nirmala UI"/>
+        <a:font script="Osma" typeface="Ebrima"/>
+        <a:font script="Phag" typeface="Phagspa"/>
+        <a:font script="Syrn" typeface="Estrangelo Edessa"/>
+        <a:font script="Syrj" typeface="Estrangelo Edessa"/>
+        <a:font script="Syre" typeface="Estrangelo Edessa"/>
+        <a:font script="Sora" typeface="Nirmala UI"/>
+        <a:font script="Tale" typeface="Microsoft Tai Le"/>
+        <a:font script="Talu" typeface="Microsoft New Tai Lue"/>
+        <a:font script="Tfng" typeface="Ebrima"/>
+      </a:minorFont>
+    </a:fontScheme>
+    <a:fmtScheme name="Office">
+      <a:fillStyleLst>
+        <a:solidFill>
+          <a:schemeClr val="phClr"/>
+        </a:solidFill>
+        <a:gradFill rotWithShape="1">
+          <a:gsLst>
+            <a:gs pos="0">
+              <a:schemeClr val="phClr">
+                <a:lumMod val="110000"/>
+                <a:satMod val="105000"/>
+                <a:tint val="67000"/>
+              </a:schemeClr>
+            </a:gs>
+            <a:gs pos="50000">
+              <a:schemeClr val="phClr">
+                <a:lumMod val="105000"/>
+                <a:satMod val="103000"/>
+                <a:tint val="73000"/>
+              </a:schemeClr>
+            </a:gs>
+            <a:gs pos="100000">
+              <a:schemeClr val="phClr">
+                <a:lumMod val="105000"/>
+                <a:satMod val="109000"/>
+                <a:tint val="81000"/>
+              </a:schemeClr>
+            </a:gs>
+          </a:gsLst>
+          <a:lin ang="5400000" scaled="0"/>
+        </a:gradFill>
+        <a:gradFill rotWithShape="1">
+          <a:gsLst>
+            <a:gs pos="0">
+              <a:schemeClr val="phClr">
+                <a:satMod val="103000"/>
+                <a:lumMod val="102000"/>
+                <a:tint val="94000"/>
+              </a:schemeClr>
+            </a:gs>
+            <a:gs pos="50000">
+              <a:schemeClr val="phClr">
+                <a:satMod val="110000"/>
+                <a:lumMod val="100000"/>
+                <a:shade val="100000"/>
+              </a:schemeClr>
+            </a:gs>
+            <a:gs pos="100000">
+              <a:schemeClr val="phClr">
+                <a:lumMod val="99000"/>
+                <a:satMod val="120000"/>
+                <a:shade val="78000"/>
+              </a:schemeClr>
+            </a:gs>
+          </a:gsLst>
+          <a:lin ang="5400000" scaled="0"/>
+        </a:gradFill>
+      </a:fillStyleLst>
+      <a:lnStyleLst>
+        <a:ln w="6350" cap="flat" cmpd="sng" algn="ctr">
+          <a:solidFill>
+            <a:schemeClr val="phClr"/>
+          </a:solidFill>
+          <a:prstDash val="solid"/>
+          <a:miter lim="800000"/>
+        </a:ln>
+        <a:ln w="12700" cap="flat" cmpd="sng" algn="ctr">
+          <a:solidFill>
+            <a:schemeClr val="phClr"/>
+          </a:solidFill>
+          <a:prstDash val="solid"/>
+          <a:miter lim="800000"/>
+        </a:ln>
+        <a:ln w="19050" cap="flat" cmpd="sng" algn="ctr">
+          <a:solidFill>
+            <a:schemeClr val="phClr"/>
+          </a:solidFill>
+          <a:prstDash val="solid"/>
+          <a:miter lim="800000"/>
+        </a:ln>
+      </a:lnStyleLst>
+      <a:effectStyleLst>
+        <a:effectStyle>
+          <a:effectLst/>
+        </a:effectStyle>
+        <a:effectStyle>
+          <a:effectLst/>
+        </a:effectStyle>
+        <a:effectStyle>
+          <a:effectLst>
+            <a:outerShdw blurRad="57150" dist="19050" dir="5400000" algn="ctr" rotWithShape="0">
+              <a:srgbClr val="000000">
+                <a:alpha val="63000"/>
+              </a:srgbClr>
+            </a:outerShdw>
+          </a:effectLst>
+        </a:effectStyle>
+      </a:effectStyleLst>
+      <a:bgFillStyleLst>
+        <a:solidFill>
+          <a:schemeClr val="phClr"/>
+        </a:solidFill>
+        <a:solidFill>
+          <a:schemeClr val="phClr">
+            <a:tint val="95000"/>
+            <a:satMod val="170000"/>
+          </a:schemeClr>
+        </a:solidFill>
+        <a:gradFill rotWithShape="1">
+          <a:gsLst>
+            <a:gs pos="0">
+              <a:schemeClr val="phClr">
+                <a:tint val="93000"/>
+                <a:satMod val="150000"/>
+                <a:shade val="98000"/>
+                <a:lumMod val="102000"/>
+              </a:schemeClr>
+            </a:gs>
+            <a:gs pos="50000">
+              <a:schemeClr val="phClr">
+                <a:tint val="98000"/>
+                <a:satMod val="130000"/>
+                <a:shade val="90000"/>
+                <a:lumMod val="103000"/>
+              </a:schemeClr>
+            </a:gs>
+            <a:gs pos="100000">
+              <a:schemeClr val="phClr">
+                <a:shade val="63000"/>
+                <a:satMod val="120000"/>
+              </a:schemeClr>
+            </a:gs>
+          </a:gsLst>
+          <a:lin ang="5400000" scaled="0"/>
+        </a:gradFill>
+      </a:bgFillStyleLst>
+    </a:fmtScheme>
+  </a:themeElements>
+  <a:objectDefaults/>
+  <a:extraClrSchemeLst/>
+  <a:extLst>
+    <a:ext uri="{05A4C25C-085E-4340-85A3-A5531E510DB2}">
+      <thm15:themeFamily xmlns:thm15="http://schemas.microsoft.com/office/thememl/2012/main" name="Office Theme" id="{62F939B6-93AF-4DB8-9C6B-D6C7DFDC589F}" vid="{4A3C46E8-61CC-4603-A589-7422A47A8E4A}"/>
+    </a:ext>
+  </a:extLst>
+</a:theme>
 </file>